--- a/HW10/Schema DB.pptx
+++ b/HW10/Schema DB.pptx
@@ -6,6 +6,7 @@
   </p:sldMasterIdLst>
   <p:sldIdLst>
     <p:sldId id="256" r:id="rId2"/>
+    <p:sldId id="257" r:id="rId3"/>
   </p:sldIdLst>
   <p:sldSz cx="12192000" cy="6858000"/>
   <p:notesSz cx="6858000" cy="9144000"/>
@@ -259,7 +260,7 @@
           <a:p>
             <a:fld id="{25162CB9-A694-4D51-91E3-CFC88B1A3D9D}" type="datetimeFigureOut">
               <a:rPr lang="ru-RU" smtClean="0"/>
-              <a:t>04.10.2023</a:t>
+              <a:t>25.10.2023</a:t>
             </a:fld>
             <a:endParaRPr lang="ru-RU" dirty="0"/>
           </a:p>
@@ -457,7 +458,7 @@
           <a:p>
             <a:fld id="{25162CB9-A694-4D51-91E3-CFC88B1A3D9D}" type="datetimeFigureOut">
               <a:rPr lang="ru-RU" smtClean="0"/>
-              <a:t>04.10.2023</a:t>
+              <a:t>25.10.2023</a:t>
             </a:fld>
             <a:endParaRPr lang="ru-RU" dirty="0"/>
           </a:p>
@@ -665,7 +666,7 @@
           <a:p>
             <a:fld id="{25162CB9-A694-4D51-91E3-CFC88B1A3D9D}" type="datetimeFigureOut">
               <a:rPr lang="ru-RU" smtClean="0"/>
-              <a:t>04.10.2023</a:t>
+              <a:t>25.10.2023</a:t>
             </a:fld>
             <a:endParaRPr lang="ru-RU" dirty="0"/>
           </a:p>
@@ -863,7 +864,7 @@
           <a:p>
             <a:fld id="{25162CB9-A694-4D51-91E3-CFC88B1A3D9D}" type="datetimeFigureOut">
               <a:rPr lang="ru-RU" smtClean="0"/>
-              <a:t>04.10.2023</a:t>
+              <a:t>25.10.2023</a:t>
             </a:fld>
             <a:endParaRPr lang="ru-RU" dirty="0"/>
           </a:p>
@@ -1138,7 +1139,7 @@
           <a:p>
             <a:fld id="{25162CB9-A694-4D51-91E3-CFC88B1A3D9D}" type="datetimeFigureOut">
               <a:rPr lang="ru-RU" smtClean="0"/>
-              <a:t>04.10.2023</a:t>
+              <a:t>25.10.2023</a:t>
             </a:fld>
             <a:endParaRPr lang="ru-RU" dirty="0"/>
           </a:p>
@@ -1403,7 +1404,7 @@
           <a:p>
             <a:fld id="{25162CB9-A694-4D51-91E3-CFC88B1A3D9D}" type="datetimeFigureOut">
               <a:rPr lang="ru-RU" smtClean="0"/>
-              <a:t>04.10.2023</a:t>
+              <a:t>25.10.2023</a:t>
             </a:fld>
             <a:endParaRPr lang="ru-RU" dirty="0"/>
           </a:p>
@@ -1815,7 +1816,7 @@
           <a:p>
             <a:fld id="{25162CB9-A694-4D51-91E3-CFC88B1A3D9D}" type="datetimeFigureOut">
               <a:rPr lang="ru-RU" smtClean="0"/>
-              <a:t>04.10.2023</a:t>
+              <a:t>25.10.2023</a:t>
             </a:fld>
             <a:endParaRPr lang="ru-RU" dirty="0"/>
           </a:p>
@@ -1956,7 +1957,7 @@
           <a:p>
             <a:fld id="{25162CB9-A694-4D51-91E3-CFC88B1A3D9D}" type="datetimeFigureOut">
               <a:rPr lang="ru-RU" smtClean="0"/>
-              <a:t>04.10.2023</a:t>
+              <a:t>25.10.2023</a:t>
             </a:fld>
             <a:endParaRPr lang="ru-RU" dirty="0"/>
           </a:p>
@@ -2069,7 +2070,7 @@
           <a:p>
             <a:fld id="{25162CB9-A694-4D51-91E3-CFC88B1A3D9D}" type="datetimeFigureOut">
               <a:rPr lang="ru-RU" smtClean="0"/>
-              <a:t>04.10.2023</a:t>
+              <a:t>25.10.2023</a:t>
             </a:fld>
             <a:endParaRPr lang="ru-RU" dirty="0"/>
           </a:p>
@@ -2380,7 +2381,7 @@
           <a:p>
             <a:fld id="{25162CB9-A694-4D51-91E3-CFC88B1A3D9D}" type="datetimeFigureOut">
               <a:rPr lang="ru-RU" smtClean="0"/>
-              <a:t>04.10.2023</a:t>
+              <a:t>25.10.2023</a:t>
             </a:fld>
             <a:endParaRPr lang="ru-RU" dirty="0"/>
           </a:p>
@@ -2668,7 +2669,7 @@
           <a:p>
             <a:fld id="{25162CB9-A694-4D51-91E3-CFC88B1A3D9D}" type="datetimeFigureOut">
               <a:rPr lang="ru-RU" smtClean="0"/>
-              <a:t>04.10.2023</a:t>
+              <a:t>25.10.2023</a:t>
             </a:fld>
             <a:endParaRPr lang="ru-RU" dirty="0"/>
           </a:p>
@@ -2909,7 +2910,7 @@
           <a:p>
             <a:fld id="{25162CB9-A694-4D51-91E3-CFC88B1A3D9D}" type="datetimeFigureOut">
               <a:rPr lang="ru-RU" smtClean="0"/>
-              <a:t>04.10.2023</a:t>
+              <a:t>25.10.2023</a:t>
             </a:fld>
             <a:endParaRPr lang="ru-RU" dirty="0"/>
           </a:p>
@@ -4687,47 +4688,6 @@
           </a:fontRef>
         </p:style>
       </p:cxnSp>
-      <p:cxnSp>
-        <p:nvCxnSpPr>
-          <p:cNvPr id="43" name="Прямая со стрелкой 42">
-            <a:extLst>
-              <a:ext uri="{FF2B5EF4-FFF2-40B4-BE49-F238E27FC236}">
-                <a16:creationId xmlns:a16="http://schemas.microsoft.com/office/drawing/2014/main" id="{82A257C4-1E87-7563-D237-D38AFD8B38E4}"/>
-              </a:ext>
-            </a:extLst>
-          </p:cNvPr>
-          <p:cNvCxnSpPr>
-            <a:cxnSpLocks/>
-          </p:cNvCxnSpPr>
-          <p:nvPr/>
-        </p:nvCxnSpPr>
-        <p:spPr>
-          <a:xfrm flipH="1">
-            <a:off x="584153" y="1833339"/>
-            <a:ext cx="20197" cy="2893152"/>
-          </a:xfrm>
-          <a:prstGeom prst="straightConnector1">
-            <a:avLst/>
-          </a:prstGeom>
-          <a:ln w="38100">
-            <a:tailEnd type="none"/>
-          </a:ln>
-        </p:spPr>
-        <p:style>
-          <a:lnRef idx="1">
-            <a:schemeClr val="accent1"/>
-          </a:lnRef>
-          <a:fillRef idx="0">
-            <a:schemeClr val="accent1"/>
-          </a:fillRef>
-          <a:effectRef idx="0">
-            <a:schemeClr val="accent1"/>
-          </a:effectRef>
-          <a:fontRef idx="minor">
-            <a:schemeClr val="tx1"/>
-          </a:fontRef>
-        </p:style>
-      </p:cxnSp>
       <p:grpSp>
         <p:nvGrpSpPr>
           <p:cNvPr id="51" name="Группа 50">
@@ -4979,89 +4939,6 @@
       </p:cxnSp>
       <p:cxnSp>
         <p:nvCxnSpPr>
-          <p:cNvPr id="105" name="Соединитель: уступ 104">
-            <a:extLst>
-              <a:ext uri="{FF2B5EF4-FFF2-40B4-BE49-F238E27FC236}">
-                <a16:creationId xmlns:a16="http://schemas.microsoft.com/office/drawing/2014/main" id="{3AFD96DD-40DF-3786-B35E-BEA12048E313}"/>
-              </a:ext>
-            </a:extLst>
-          </p:cNvPr>
-          <p:cNvCxnSpPr>
-            <a:cxnSpLocks/>
-          </p:cNvCxnSpPr>
-          <p:nvPr/>
-        </p:nvCxnSpPr>
-        <p:spPr>
-          <a:xfrm>
-            <a:off x="584153" y="1833339"/>
-            <a:ext cx="178574" cy="0"/>
-          </a:xfrm>
-          <a:prstGeom prst="straightConnector1">
-            <a:avLst/>
-          </a:prstGeom>
-          <a:ln w="38100">
-            <a:tailEnd type="none"/>
-          </a:ln>
-        </p:spPr>
-        <p:style>
-          <a:lnRef idx="1">
-            <a:schemeClr val="accent1"/>
-          </a:lnRef>
-          <a:fillRef idx="0">
-            <a:schemeClr val="accent1"/>
-          </a:fillRef>
-          <a:effectRef idx="0">
-            <a:schemeClr val="accent1"/>
-          </a:effectRef>
-          <a:fontRef idx="minor">
-            <a:schemeClr val="tx1"/>
-          </a:fontRef>
-        </p:style>
-      </p:cxnSp>
-      <p:cxnSp>
-        <p:nvCxnSpPr>
-          <p:cNvPr id="134" name="Соединитель: уступ 104">
-            <a:extLst>
-              <a:ext uri="{FF2B5EF4-FFF2-40B4-BE49-F238E27FC236}">
-                <a16:creationId xmlns:a16="http://schemas.microsoft.com/office/drawing/2014/main" id="{CEA0A777-3057-741B-4EBF-C410DCFF6DBD}"/>
-              </a:ext>
-            </a:extLst>
-          </p:cNvPr>
-          <p:cNvCxnSpPr>
-            <a:cxnSpLocks/>
-          </p:cNvCxnSpPr>
-          <p:nvPr/>
-        </p:nvCxnSpPr>
-        <p:spPr>
-          <a:xfrm flipH="1">
-            <a:off x="584153" y="4707050"/>
-            <a:ext cx="181988" cy="0"/>
-          </a:xfrm>
-          <a:prstGeom prst="straightConnector1">
-            <a:avLst/>
-          </a:prstGeom>
-          <a:ln w="38100">
-            <a:headEnd type="triangle"/>
-            <a:tailEnd type="none"/>
-          </a:ln>
-        </p:spPr>
-        <p:style>
-          <a:lnRef idx="1">
-            <a:schemeClr val="accent1"/>
-          </a:lnRef>
-          <a:fillRef idx="0">
-            <a:schemeClr val="accent1"/>
-          </a:fillRef>
-          <a:effectRef idx="0">
-            <a:schemeClr val="accent1"/>
-          </a:effectRef>
-          <a:fontRef idx="minor">
-            <a:schemeClr val="tx1"/>
-          </a:fontRef>
-        </p:style>
-      </p:cxnSp>
-      <p:cxnSp>
-        <p:nvCxnSpPr>
           <p:cNvPr id="161" name="Прямая со стрелкой 160">
             <a:extLst>
               <a:ext uri="{FF2B5EF4-FFF2-40B4-BE49-F238E27FC236}">
@@ -5388,10 +5265,2405 @@
           </a:fontRef>
         </p:style>
       </p:cxnSp>
+      <p:cxnSp>
+        <p:nvCxnSpPr>
+          <p:cNvPr id="2" name="Прямая со стрелкой 1">
+            <a:extLst>
+              <a:ext uri="{FF2B5EF4-FFF2-40B4-BE49-F238E27FC236}">
+                <a16:creationId xmlns:a16="http://schemas.microsoft.com/office/drawing/2014/main" id="{D0AD37DF-FEEC-AFED-7E96-F5B19871DD26}"/>
+              </a:ext>
+            </a:extLst>
+          </p:cNvPr>
+          <p:cNvCxnSpPr>
+            <a:cxnSpLocks/>
+          </p:cNvCxnSpPr>
+          <p:nvPr/>
+        </p:nvCxnSpPr>
+        <p:spPr>
+          <a:xfrm flipH="1">
+            <a:off x="584153" y="1833339"/>
+            <a:ext cx="20197" cy="2893152"/>
+          </a:xfrm>
+          <a:prstGeom prst="straightConnector1">
+            <a:avLst/>
+          </a:prstGeom>
+          <a:ln w="38100">
+            <a:tailEnd type="none"/>
+          </a:ln>
+        </p:spPr>
+        <p:style>
+          <a:lnRef idx="1">
+            <a:schemeClr val="accent1"/>
+          </a:lnRef>
+          <a:fillRef idx="0">
+            <a:schemeClr val="accent1"/>
+          </a:fillRef>
+          <a:effectRef idx="0">
+            <a:schemeClr val="accent1"/>
+          </a:effectRef>
+          <a:fontRef idx="minor">
+            <a:schemeClr val="tx1"/>
+          </a:fontRef>
+        </p:style>
+      </p:cxnSp>
+      <p:cxnSp>
+        <p:nvCxnSpPr>
+          <p:cNvPr id="3" name="Соединитель: уступ 104">
+            <a:extLst>
+              <a:ext uri="{FF2B5EF4-FFF2-40B4-BE49-F238E27FC236}">
+                <a16:creationId xmlns:a16="http://schemas.microsoft.com/office/drawing/2014/main" id="{A9FB3E6D-CD1E-0180-F114-AE29A0EFB75F}"/>
+              </a:ext>
+            </a:extLst>
+          </p:cNvPr>
+          <p:cNvCxnSpPr>
+            <a:cxnSpLocks/>
+          </p:cNvCxnSpPr>
+          <p:nvPr/>
+        </p:nvCxnSpPr>
+        <p:spPr>
+          <a:xfrm>
+            <a:off x="584153" y="4708517"/>
+            <a:ext cx="178574" cy="0"/>
+          </a:xfrm>
+          <a:prstGeom prst="straightConnector1">
+            <a:avLst/>
+          </a:prstGeom>
+          <a:ln w="38100">
+            <a:tailEnd type="none"/>
+          </a:ln>
+        </p:spPr>
+        <p:style>
+          <a:lnRef idx="1">
+            <a:schemeClr val="accent1"/>
+          </a:lnRef>
+          <a:fillRef idx="0">
+            <a:schemeClr val="accent1"/>
+          </a:fillRef>
+          <a:effectRef idx="0">
+            <a:schemeClr val="accent1"/>
+          </a:effectRef>
+          <a:fontRef idx="minor">
+            <a:schemeClr val="tx1"/>
+          </a:fontRef>
+        </p:style>
+      </p:cxnSp>
+      <p:cxnSp>
+        <p:nvCxnSpPr>
+          <p:cNvPr id="10" name="Соединитель: уступ 104">
+            <a:extLst>
+              <a:ext uri="{FF2B5EF4-FFF2-40B4-BE49-F238E27FC236}">
+                <a16:creationId xmlns:a16="http://schemas.microsoft.com/office/drawing/2014/main" id="{BAF05BDC-844F-F4E7-D1B9-78DE1BB21DBB}"/>
+              </a:ext>
+            </a:extLst>
+          </p:cNvPr>
+          <p:cNvCxnSpPr>
+            <a:cxnSpLocks/>
+          </p:cNvCxnSpPr>
+          <p:nvPr/>
+        </p:nvCxnSpPr>
+        <p:spPr>
+          <a:xfrm flipH="1">
+            <a:off x="584153" y="1850726"/>
+            <a:ext cx="181988" cy="0"/>
+          </a:xfrm>
+          <a:prstGeom prst="straightConnector1">
+            <a:avLst/>
+          </a:prstGeom>
+          <a:ln w="38100">
+            <a:headEnd type="triangle"/>
+            <a:tailEnd type="none"/>
+          </a:ln>
+        </p:spPr>
+        <p:style>
+          <a:lnRef idx="1">
+            <a:schemeClr val="accent1"/>
+          </a:lnRef>
+          <a:fillRef idx="0">
+            <a:schemeClr val="accent1"/>
+          </a:fillRef>
+          <a:effectRef idx="0">
+            <a:schemeClr val="accent1"/>
+          </a:effectRef>
+          <a:fontRef idx="minor">
+            <a:schemeClr val="tx1"/>
+          </a:fontRef>
+        </p:style>
+      </p:cxnSp>
     </p:spTree>
     <p:extLst>
       <p:ext uri="{BB962C8B-B14F-4D97-AF65-F5344CB8AC3E}">
         <p14:creationId xmlns:p14="http://schemas.microsoft.com/office/powerpoint/2010/main" val="4252042747"/>
+      </p:ext>
+    </p:extLst>
+  </p:cSld>
+  <p:clrMapOvr>
+    <a:masterClrMapping/>
+  </p:clrMapOvr>
+</p:sld>
+</file>
+
+<file path=ppt/slides/slide2.xml><?xml version="1.0" encoding="utf-8"?>
+<p:sld xmlns:a="http://schemas.openxmlformats.org/drawingml/2006/main" xmlns:r="http://schemas.openxmlformats.org/officeDocument/2006/relationships" xmlns:p="http://schemas.openxmlformats.org/presentationml/2006/main">
+  <p:cSld>
+    <p:spTree>
+      <p:nvGrpSpPr>
+        <p:cNvPr id="1" name=""/>
+        <p:cNvGrpSpPr/>
+        <p:nvPr/>
+      </p:nvGrpSpPr>
+      <p:grpSpPr>
+        <a:xfrm>
+          <a:off x="0" y="0"/>
+          <a:ext cx="0" cy="0"/>
+          <a:chOff x="0" y="0"/>
+          <a:chExt cx="0" cy="0"/>
+        </a:xfrm>
+      </p:grpSpPr>
+      <p:grpSp>
+        <p:nvGrpSpPr>
+          <p:cNvPr id="4" name="Группа 3">
+            <a:extLst>
+              <a:ext uri="{FF2B5EF4-FFF2-40B4-BE49-F238E27FC236}">
+                <a16:creationId xmlns:a16="http://schemas.microsoft.com/office/drawing/2014/main" id="{F64AD082-2BE8-7E49-74A8-2B5BD864E073}"/>
+              </a:ext>
+            </a:extLst>
+          </p:cNvPr>
+          <p:cNvGrpSpPr/>
+          <p:nvPr/>
+        </p:nvGrpSpPr>
+        <p:grpSpPr>
+          <a:xfrm>
+            <a:off x="762727" y="4094307"/>
+            <a:ext cx="1663086" cy="2007909"/>
+            <a:chOff x="1272619" y="1216058"/>
+            <a:chExt cx="3355942" cy="2007909"/>
+          </a:xfrm>
+        </p:grpSpPr>
+        <p:sp>
+          <p:nvSpPr>
+            <p:cNvPr id="5" name="Прямоугольник 4">
+              <a:extLst>
+                <a:ext uri="{FF2B5EF4-FFF2-40B4-BE49-F238E27FC236}">
+                  <a16:creationId xmlns:a16="http://schemas.microsoft.com/office/drawing/2014/main" id="{D1819195-5704-DC4C-A8C6-ACBD64E90AD6}"/>
+                </a:ext>
+              </a:extLst>
+            </p:cNvPr>
+            <p:cNvSpPr/>
+            <p:nvPr/>
+          </p:nvSpPr>
+          <p:spPr>
+            <a:xfrm>
+              <a:off x="1272619" y="1216058"/>
+              <a:ext cx="3355942" cy="2007909"/>
+            </a:xfrm>
+            <a:prstGeom prst="rect">
+              <a:avLst/>
+            </a:prstGeom>
+            <a:solidFill>
+              <a:schemeClr val="accent1">
+                <a:lumMod val="20000"/>
+                <a:lumOff val="80000"/>
+              </a:schemeClr>
+            </a:solidFill>
+          </p:spPr>
+          <p:style>
+            <a:lnRef idx="2">
+              <a:schemeClr val="accent1">
+                <a:shade val="15000"/>
+              </a:schemeClr>
+            </a:lnRef>
+            <a:fillRef idx="1">
+              <a:schemeClr val="accent1"/>
+            </a:fillRef>
+            <a:effectRef idx="0">
+              <a:schemeClr val="accent1"/>
+            </a:effectRef>
+            <a:fontRef idx="minor">
+              <a:schemeClr val="lt1"/>
+            </a:fontRef>
+          </p:style>
+          <p:txBody>
+            <a:bodyPr rtlCol="0" anchor="ctr"/>
+            <a:lstStyle/>
+            <a:p>
+              <a:endParaRPr lang="en-US" dirty="0">
+                <a:solidFill>
+                  <a:schemeClr val="tx1"/>
+                </a:solidFill>
+              </a:endParaRPr>
+            </a:p>
+            <a:p>
+              <a:r>
+                <a:rPr lang="en-US" b="1" dirty="0">
+                  <a:solidFill>
+                    <a:schemeClr val="tx1"/>
+                  </a:solidFill>
+                </a:rPr>
+                <a:t>Limit_type</a:t>
+              </a:r>
+            </a:p>
+            <a:p>
+              <a:r>
+                <a:rPr lang="en-US" dirty="0">
+                  <a:solidFill>
+                    <a:schemeClr val="tx1"/>
+                  </a:solidFill>
+                </a:rPr>
+                <a:t>Limit_name</a:t>
+              </a:r>
+            </a:p>
+            <a:p>
+              <a:r>
+                <a:rPr lang="en-US" dirty="0">
+                  <a:solidFill>
+                    <a:schemeClr val="tx1"/>
+                  </a:solidFill>
+                </a:rPr>
+                <a:t>NDays</a:t>
+              </a:r>
+            </a:p>
+            <a:p>
+              <a:r>
+                <a:rPr lang="en-US" dirty="0">
+                  <a:solidFill>
+                    <a:schemeClr val="tx1"/>
+                  </a:solidFill>
+                </a:rPr>
+                <a:t>Date_from</a:t>
+              </a:r>
+            </a:p>
+            <a:p>
+              <a:r>
+                <a:rPr lang="en-US" b="1" dirty="0">
+                  <a:solidFill>
+                    <a:schemeClr val="tx1"/>
+                  </a:solidFill>
+                </a:rPr>
+                <a:t>Date_to</a:t>
+              </a:r>
+            </a:p>
+          </p:txBody>
+        </p:sp>
+        <p:sp>
+          <p:nvSpPr>
+            <p:cNvPr id="6" name="Прямоугольник 5">
+              <a:extLst>
+                <a:ext uri="{FF2B5EF4-FFF2-40B4-BE49-F238E27FC236}">
+                  <a16:creationId xmlns:a16="http://schemas.microsoft.com/office/drawing/2014/main" id="{BB7B872F-4461-B11C-48FA-E4FB6F84DC33}"/>
+                </a:ext>
+              </a:extLst>
+            </p:cNvPr>
+            <p:cNvSpPr/>
+            <p:nvPr/>
+          </p:nvSpPr>
+          <p:spPr>
+            <a:xfrm>
+              <a:off x="1272619" y="1216058"/>
+              <a:ext cx="3355942" cy="405352"/>
+            </a:xfrm>
+            <a:prstGeom prst="rect">
+              <a:avLst/>
+            </a:prstGeom>
+          </p:spPr>
+          <p:style>
+            <a:lnRef idx="2">
+              <a:schemeClr val="accent1">
+                <a:shade val="15000"/>
+              </a:schemeClr>
+            </a:lnRef>
+            <a:fillRef idx="1">
+              <a:schemeClr val="accent1"/>
+            </a:fillRef>
+            <a:effectRef idx="0">
+              <a:schemeClr val="accent1"/>
+            </a:effectRef>
+            <a:fontRef idx="minor">
+              <a:schemeClr val="lt1"/>
+            </a:fontRef>
+          </p:style>
+          <p:txBody>
+            <a:bodyPr rtlCol="0" anchor="ctr"/>
+            <a:lstStyle/>
+            <a:p>
+              <a:r>
+                <a:rPr lang="en-US" dirty="0" err="1"/>
+                <a:t>dic.limit</a:t>
+              </a:r>
+              <a:endParaRPr lang="ru-RU" dirty="0"/>
+            </a:p>
+          </p:txBody>
+        </p:sp>
+      </p:grpSp>
+      <p:grpSp>
+        <p:nvGrpSpPr>
+          <p:cNvPr id="7" name="Группа 6">
+            <a:extLst>
+              <a:ext uri="{FF2B5EF4-FFF2-40B4-BE49-F238E27FC236}">
+                <a16:creationId xmlns:a16="http://schemas.microsoft.com/office/drawing/2014/main" id="{B395B532-EDC7-5DDB-3854-CFEB5E9D8DB2}"/>
+              </a:ext>
+            </a:extLst>
+          </p:cNvPr>
+          <p:cNvGrpSpPr/>
+          <p:nvPr/>
+        </p:nvGrpSpPr>
+        <p:grpSpPr>
+          <a:xfrm>
+            <a:off x="6795016" y="4094305"/>
+            <a:ext cx="1663086" cy="2007909"/>
+            <a:chOff x="1272619" y="1216058"/>
+            <a:chExt cx="3355942" cy="2007909"/>
+          </a:xfrm>
+        </p:grpSpPr>
+        <p:sp>
+          <p:nvSpPr>
+            <p:cNvPr id="8" name="Прямоугольник 7">
+              <a:extLst>
+                <a:ext uri="{FF2B5EF4-FFF2-40B4-BE49-F238E27FC236}">
+                  <a16:creationId xmlns:a16="http://schemas.microsoft.com/office/drawing/2014/main" id="{8D144441-4DF7-6712-9F9E-028D6A3757B8}"/>
+                </a:ext>
+              </a:extLst>
+            </p:cNvPr>
+            <p:cNvSpPr/>
+            <p:nvPr/>
+          </p:nvSpPr>
+          <p:spPr>
+            <a:xfrm>
+              <a:off x="1272619" y="1216058"/>
+              <a:ext cx="3355942" cy="2007909"/>
+            </a:xfrm>
+            <a:prstGeom prst="rect">
+              <a:avLst/>
+            </a:prstGeom>
+            <a:solidFill>
+              <a:schemeClr val="accent6">
+                <a:lumMod val="20000"/>
+                <a:lumOff val="80000"/>
+              </a:schemeClr>
+            </a:solidFill>
+          </p:spPr>
+          <p:style>
+            <a:lnRef idx="2">
+              <a:schemeClr val="accent1">
+                <a:shade val="15000"/>
+              </a:schemeClr>
+            </a:lnRef>
+            <a:fillRef idx="1">
+              <a:schemeClr val="accent1"/>
+            </a:fillRef>
+            <a:effectRef idx="0">
+              <a:schemeClr val="accent1"/>
+            </a:effectRef>
+            <a:fontRef idx="minor">
+              <a:schemeClr val="lt1"/>
+            </a:fontRef>
+          </p:style>
+          <p:txBody>
+            <a:bodyPr rtlCol="0" anchor="ctr"/>
+            <a:lstStyle/>
+            <a:p>
+              <a:endParaRPr lang="en-US" dirty="0">
+                <a:solidFill>
+                  <a:schemeClr val="tx1"/>
+                </a:solidFill>
+              </a:endParaRPr>
+            </a:p>
+            <a:p>
+              <a:r>
+                <a:rPr lang="en-US" b="1" dirty="0">
+                  <a:solidFill>
+                    <a:schemeClr val="tx1"/>
+                  </a:solidFill>
+                </a:rPr>
+                <a:t>TN</a:t>
+              </a:r>
+            </a:p>
+            <a:p>
+              <a:r>
+                <a:rPr lang="en-US" dirty="0">
+                  <a:solidFill>
+                    <a:schemeClr val="tx1"/>
+                  </a:solidFill>
+                </a:rPr>
+                <a:t>Date_from</a:t>
+              </a:r>
+            </a:p>
+            <a:p>
+              <a:r>
+                <a:rPr lang="en-US" b="1" dirty="0">
+                  <a:solidFill>
+                    <a:schemeClr val="tx1"/>
+                  </a:solidFill>
+                </a:rPr>
+                <a:t>Date_to</a:t>
+              </a:r>
+            </a:p>
+            <a:p>
+              <a:r>
+                <a:rPr lang="en-US" dirty="0">
+                  <a:solidFill>
+                    <a:schemeClr val="tx1"/>
+                  </a:solidFill>
+                </a:rPr>
+                <a:t>Salary</a:t>
+              </a:r>
+            </a:p>
+            <a:p>
+              <a:r>
+                <a:rPr lang="en-US" dirty="0">
+                  <a:solidFill>
+                    <a:schemeClr val="tx1"/>
+                  </a:solidFill>
+                </a:rPr>
+                <a:t>Condition_type</a:t>
+              </a:r>
+              <a:endParaRPr lang="ru-RU" dirty="0">
+                <a:solidFill>
+                  <a:schemeClr val="tx1"/>
+                </a:solidFill>
+              </a:endParaRPr>
+            </a:p>
+          </p:txBody>
+        </p:sp>
+        <p:sp>
+          <p:nvSpPr>
+            <p:cNvPr id="9" name="Прямоугольник 8">
+              <a:extLst>
+                <a:ext uri="{FF2B5EF4-FFF2-40B4-BE49-F238E27FC236}">
+                  <a16:creationId xmlns:a16="http://schemas.microsoft.com/office/drawing/2014/main" id="{DDBEFE0F-8A40-0EDA-CB57-F33470C37307}"/>
+                </a:ext>
+              </a:extLst>
+            </p:cNvPr>
+            <p:cNvSpPr/>
+            <p:nvPr/>
+          </p:nvSpPr>
+          <p:spPr>
+            <a:xfrm>
+              <a:off x="1272619" y="1216058"/>
+              <a:ext cx="3355942" cy="405352"/>
+            </a:xfrm>
+            <a:prstGeom prst="rect">
+              <a:avLst/>
+            </a:prstGeom>
+            <a:solidFill>
+              <a:schemeClr val="accent6">
+                <a:lumMod val="75000"/>
+              </a:schemeClr>
+            </a:solidFill>
+          </p:spPr>
+          <p:style>
+            <a:lnRef idx="2">
+              <a:schemeClr val="accent1">
+                <a:shade val="15000"/>
+              </a:schemeClr>
+            </a:lnRef>
+            <a:fillRef idx="1">
+              <a:schemeClr val="accent1"/>
+            </a:fillRef>
+            <a:effectRef idx="0">
+              <a:schemeClr val="accent1"/>
+            </a:effectRef>
+            <a:fontRef idx="minor">
+              <a:schemeClr val="lt1"/>
+            </a:fontRef>
+          </p:style>
+          <p:txBody>
+            <a:bodyPr rtlCol="0" anchor="ctr"/>
+            <a:lstStyle/>
+            <a:p>
+              <a:r>
+                <a:rPr lang="en-US" dirty="0" err="1"/>
+                <a:t>dbo.agreement</a:t>
+              </a:r>
+              <a:endParaRPr lang="ru-RU" dirty="0"/>
+            </a:p>
+          </p:txBody>
+        </p:sp>
+      </p:grpSp>
+      <p:grpSp>
+        <p:nvGrpSpPr>
+          <p:cNvPr id="10" name="Группа 9">
+            <a:extLst>
+              <a:ext uri="{FF2B5EF4-FFF2-40B4-BE49-F238E27FC236}">
+                <a16:creationId xmlns:a16="http://schemas.microsoft.com/office/drawing/2014/main" id="{495609F8-E272-7939-61FD-2029408D4E44}"/>
+              </a:ext>
+            </a:extLst>
+          </p:cNvPr>
+          <p:cNvGrpSpPr/>
+          <p:nvPr/>
+        </p:nvGrpSpPr>
+        <p:grpSpPr>
+          <a:xfrm>
+            <a:off x="9540515" y="1097879"/>
+            <a:ext cx="1663086" cy="2750725"/>
+            <a:chOff x="8990196" y="3634033"/>
+            <a:chExt cx="1663086" cy="2750725"/>
+          </a:xfrm>
+        </p:grpSpPr>
+        <p:sp>
+          <p:nvSpPr>
+            <p:cNvPr id="11" name="Прямоугольник 10">
+              <a:extLst>
+                <a:ext uri="{FF2B5EF4-FFF2-40B4-BE49-F238E27FC236}">
+                  <a16:creationId xmlns:a16="http://schemas.microsoft.com/office/drawing/2014/main" id="{C5415AFC-F9BA-51BE-D206-90C6A36E4A93}"/>
+                </a:ext>
+              </a:extLst>
+            </p:cNvPr>
+            <p:cNvSpPr/>
+            <p:nvPr/>
+          </p:nvSpPr>
+          <p:spPr>
+            <a:xfrm>
+              <a:off x="8990196" y="3634033"/>
+              <a:ext cx="1663086" cy="2750725"/>
+            </a:xfrm>
+            <a:prstGeom prst="rect">
+              <a:avLst/>
+            </a:prstGeom>
+            <a:solidFill>
+              <a:schemeClr val="accent6">
+                <a:lumMod val="20000"/>
+                <a:lumOff val="80000"/>
+              </a:schemeClr>
+            </a:solidFill>
+          </p:spPr>
+          <p:style>
+            <a:lnRef idx="2">
+              <a:schemeClr val="accent1">
+                <a:shade val="15000"/>
+              </a:schemeClr>
+            </a:lnRef>
+            <a:fillRef idx="1">
+              <a:schemeClr val="accent1"/>
+            </a:fillRef>
+            <a:effectRef idx="0">
+              <a:schemeClr val="accent1"/>
+            </a:effectRef>
+            <a:fontRef idx="minor">
+              <a:schemeClr val="lt1"/>
+            </a:fontRef>
+          </p:style>
+          <p:txBody>
+            <a:bodyPr rtlCol="0" anchor="ctr"/>
+            <a:lstStyle/>
+            <a:p>
+              <a:endParaRPr lang="en-US" dirty="0">
+                <a:solidFill>
+                  <a:schemeClr val="tx1"/>
+                </a:solidFill>
+              </a:endParaRPr>
+            </a:p>
+            <a:p>
+              <a:r>
+                <a:rPr lang="en-US" b="1" dirty="0">
+                  <a:solidFill>
+                    <a:schemeClr val="tx1"/>
+                  </a:solidFill>
+                </a:rPr>
+                <a:t>TN</a:t>
+              </a:r>
+            </a:p>
+            <a:p>
+              <a:r>
+                <a:rPr lang="en-US" dirty="0">
+                  <a:solidFill>
+                    <a:schemeClr val="tx1"/>
+                  </a:solidFill>
+                </a:rPr>
+                <a:t>Surname</a:t>
+              </a:r>
+            </a:p>
+            <a:p>
+              <a:r>
+                <a:rPr lang="en-US" dirty="0">
+                  <a:solidFill>
+                    <a:schemeClr val="tx1"/>
+                  </a:solidFill>
+                </a:rPr>
+                <a:t>FirstName</a:t>
+              </a:r>
+            </a:p>
+            <a:p>
+              <a:r>
+                <a:rPr lang="en-US" dirty="0">
+                  <a:solidFill>
+                    <a:schemeClr val="tx1"/>
+                  </a:solidFill>
+                </a:rPr>
+                <a:t>MiddleName</a:t>
+              </a:r>
+            </a:p>
+            <a:p>
+              <a:r>
+                <a:rPr lang="en-US" dirty="0">
+                  <a:solidFill>
+                    <a:schemeClr val="tx1"/>
+                  </a:solidFill>
+                </a:rPr>
+                <a:t>Gender</a:t>
+              </a:r>
+            </a:p>
+            <a:p>
+              <a:r>
+                <a:rPr lang="en-US" dirty="0">
+                  <a:solidFill>
+                    <a:schemeClr val="tx1"/>
+                  </a:solidFill>
+                </a:rPr>
+                <a:t>Date_of_birth</a:t>
+              </a:r>
+            </a:p>
+            <a:p>
+              <a:r>
+                <a:rPr lang="en-US" dirty="0">
+                  <a:solidFill>
+                    <a:schemeClr val="tx1"/>
+                  </a:solidFill>
+                </a:rPr>
+                <a:t>Date_from</a:t>
+              </a:r>
+            </a:p>
+            <a:p>
+              <a:r>
+                <a:rPr lang="en-US" b="1" dirty="0">
+                  <a:solidFill>
+                    <a:schemeClr val="tx1"/>
+                  </a:solidFill>
+                </a:rPr>
+                <a:t>Date_to</a:t>
+              </a:r>
+            </a:p>
+          </p:txBody>
+        </p:sp>
+        <p:sp>
+          <p:nvSpPr>
+            <p:cNvPr id="12" name="Прямоугольник 11">
+              <a:extLst>
+                <a:ext uri="{FF2B5EF4-FFF2-40B4-BE49-F238E27FC236}">
+                  <a16:creationId xmlns:a16="http://schemas.microsoft.com/office/drawing/2014/main" id="{41028F96-1433-7E94-FBCE-7B5A86CAE8B9}"/>
+                </a:ext>
+              </a:extLst>
+            </p:cNvPr>
+            <p:cNvSpPr/>
+            <p:nvPr/>
+          </p:nvSpPr>
+          <p:spPr>
+            <a:xfrm>
+              <a:off x="8990196" y="3634033"/>
+              <a:ext cx="1663086" cy="405352"/>
+            </a:xfrm>
+            <a:prstGeom prst="rect">
+              <a:avLst/>
+            </a:prstGeom>
+            <a:solidFill>
+              <a:schemeClr val="accent6">
+                <a:lumMod val="75000"/>
+              </a:schemeClr>
+            </a:solidFill>
+          </p:spPr>
+          <p:style>
+            <a:lnRef idx="2">
+              <a:schemeClr val="accent1">
+                <a:shade val="15000"/>
+              </a:schemeClr>
+            </a:lnRef>
+            <a:fillRef idx="1">
+              <a:schemeClr val="accent1"/>
+            </a:fillRef>
+            <a:effectRef idx="0">
+              <a:schemeClr val="accent1"/>
+            </a:effectRef>
+            <a:fontRef idx="minor">
+              <a:schemeClr val="lt1"/>
+            </a:fontRef>
+          </p:style>
+          <p:txBody>
+            <a:bodyPr rtlCol="0" anchor="ctr"/>
+            <a:lstStyle/>
+            <a:p>
+              <a:r>
+                <a:rPr lang="en-US" dirty="0" err="1"/>
+                <a:t>dbo.personal</a:t>
+              </a:r>
+              <a:endParaRPr lang="ru-RU" dirty="0"/>
+            </a:p>
+          </p:txBody>
+        </p:sp>
+      </p:grpSp>
+      <p:grpSp>
+        <p:nvGrpSpPr>
+          <p:cNvPr id="13" name="Группа 12">
+            <a:extLst>
+              <a:ext uri="{FF2B5EF4-FFF2-40B4-BE49-F238E27FC236}">
+                <a16:creationId xmlns:a16="http://schemas.microsoft.com/office/drawing/2014/main" id="{6F1A131C-28FE-0C71-4013-6252B911E1D6}"/>
+              </a:ext>
+            </a:extLst>
+          </p:cNvPr>
+          <p:cNvGrpSpPr/>
+          <p:nvPr/>
+        </p:nvGrpSpPr>
+        <p:grpSpPr>
+          <a:xfrm>
+            <a:off x="9540515" y="4072381"/>
+            <a:ext cx="1663086" cy="2007909"/>
+            <a:chOff x="1272619" y="1216058"/>
+            <a:chExt cx="3355942" cy="2007909"/>
+          </a:xfrm>
+        </p:grpSpPr>
+        <p:sp>
+          <p:nvSpPr>
+            <p:cNvPr id="14" name="Прямоугольник 13">
+              <a:extLst>
+                <a:ext uri="{FF2B5EF4-FFF2-40B4-BE49-F238E27FC236}">
+                  <a16:creationId xmlns:a16="http://schemas.microsoft.com/office/drawing/2014/main" id="{7ECF0B78-9CD7-3BA5-66AA-97E812568B59}"/>
+                </a:ext>
+              </a:extLst>
+            </p:cNvPr>
+            <p:cNvSpPr/>
+            <p:nvPr/>
+          </p:nvSpPr>
+          <p:spPr>
+            <a:xfrm>
+              <a:off x="1272619" y="1216058"/>
+              <a:ext cx="3355942" cy="2007909"/>
+            </a:xfrm>
+            <a:prstGeom prst="rect">
+              <a:avLst/>
+            </a:prstGeom>
+            <a:solidFill>
+              <a:schemeClr val="accent6">
+                <a:lumMod val="20000"/>
+                <a:lumOff val="80000"/>
+              </a:schemeClr>
+            </a:solidFill>
+          </p:spPr>
+          <p:style>
+            <a:lnRef idx="2">
+              <a:schemeClr val="accent1">
+                <a:shade val="15000"/>
+              </a:schemeClr>
+            </a:lnRef>
+            <a:fillRef idx="1">
+              <a:schemeClr val="accent1"/>
+            </a:fillRef>
+            <a:effectRef idx="0">
+              <a:schemeClr val="accent1"/>
+            </a:effectRef>
+            <a:fontRef idx="minor">
+              <a:schemeClr val="lt1"/>
+            </a:fontRef>
+          </p:style>
+          <p:txBody>
+            <a:bodyPr rtlCol="0" anchor="ctr"/>
+            <a:lstStyle/>
+            <a:p>
+              <a:endParaRPr lang="en-US" dirty="0">
+                <a:solidFill>
+                  <a:schemeClr val="tx1"/>
+                </a:solidFill>
+              </a:endParaRPr>
+            </a:p>
+            <a:p>
+              <a:endParaRPr lang="en-US" b="1" dirty="0">
+                <a:solidFill>
+                  <a:schemeClr val="tx1"/>
+                </a:solidFill>
+              </a:endParaRPr>
+            </a:p>
+            <a:p>
+              <a:r>
+                <a:rPr lang="en-US" b="1" dirty="0">
+                  <a:solidFill>
+                    <a:schemeClr val="tx1"/>
+                  </a:solidFill>
+                </a:rPr>
+                <a:t>Id_group</a:t>
+              </a:r>
+            </a:p>
+            <a:p>
+              <a:r>
+                <a:rPr lang="en-US" b="1" dirty="0">
+                  <a:solidFill>
+                    <a:schemeClr val="tx1"/>
+                  </a:solidFill>
+                </a:rPr>
+                <a:t>TN</a:t>
+              </a:r>
+            </a:p>
+            <a:p>
+              <a:r>
+                <a:rPr lang="en-US" dirty="0">
+                  <a:solidFill>
+                    <a:schemeClr val="tx1"/>
+                  </a:solidFill>
+                </a:rPr>
+                <a:t>Date_from</a:t>
+              </a:r>
+            </a:p>
+            <a:p>
+              <a:r>
+                <a:rPr lang="en-US" b="1" dirty="0">
+                  <a:solidFill>
+                    <a:schemeClr val="tx1"/>
+                  </a:solidFill>
+                </a:rPr>
+                <a:t>Date_to</a:t>
+              </a:r>
+            </a:p>
+            <a:p>
+              <a:endParaRPr lang="ru-RU" dirty="0">
+                <a:solidFill>
+                  <a:schemeClr val="tx1"/>
+                </a:solidFill>
+              </a:endParaRPr>
+            </a:p>
+          </p:txBody>
+        </p:sp>
+        <p:sp>
+          <p:nvSpPr>
+            <p:cNvPr id="15" name="Прямоугольник 14">
+              <a:extLst>
+                <a:ext uri="{FF2B5EF4-FFF2-40B4-BE49-F238E27FC236}">
+                  <a16:creationId xmlns:a16="http://schemas.microsoft.com/office/drawing/2014/main" id="{FBB0BDAE-0268-E7D5-D8E4-2D3B1F76182C}"/>
+                </a:ext>
+              </a:extLst>
+            </p:cNvPr>
+            <p:cNvSpPr/>
+            <p:nvPr/>
+          </p:nvSpPr>
+          <p:spPr>
+            <a:xfrm>
+              <a:off x="1272619" y="1216058"/>
+              <a:ext cx="3355942" cy="405352"/>
+            </a:xfrm>
+            <a:prstGeom prst="rect">
+              <a:avLst/>
+            </a:prstGeom>
+            <a:solidFill>
+              <a:schemeClr val="accent6">
+                <a:lumMod val="75000"/>
+              </a:schemeClr>
+            </a:solidFill>
+          </p:spPr>
+          <p:style>
+            <a:lnRef idx="2">
+              <a:schemeClr val="accent1">
+                <a:shade val="15000"/>
+              </a:schemeClr>
+            </a:lnRef>
+            <a:fillRef idx="1">
+              <a:schemeClr val="accent1"/>
+            </a:fillRef>
+            <a:effectRef idx="0">
+              <a:schemeClr val="accent1"/>
+            </a:effectRef>
+            <a:fontRef idx="minor">
+              <a:schemeClr val="lt1"/>
+            </a:fontRef>
+          </p:style>
+          <p:txBody>
+            <a:bodyPr rtlCol="0" anchor="ctr"/>
+            <a:lstStyle/>
+            <a:p>
+              <a:r>
+                <a:rPr lang="en-US" dirty="0" err="1"/>
+                <a:t>dbo.workgroup</a:t>
+              </a:r>
+              <a:endParaRPr lang="ru-RU" dirty="0"/>
+            </a:p>
+          </p:txBody>
+        </p:sp>
+      </p:grpSp>
+      <p:grpSp>
+        <p:nvGrpSpPr>
+          <p:cNvPr id="16" name="Группа 15">
+            <a:extLst>
+              <a:ext uri="{FF2B5EF4-FFF2-40B4-BE49-F238E27FC236}">
+                <a16:creationId xmlns:a16="http://schemas.microsoft.com/office/drawing/2014/main" id="{56D7472B-0B4C-CF5C-8854-D9ECC9ACE24A}"/>
+              </a:ext>
+            </a:extLst>
+          </p:cNvPr>
+          <p:cNvGrpSpPr/>
+          <p:nvPr/>
+        </p:nvGrpSpPr>
+        <p:grpSpPr>
+          <a:xfrm>
+            <a:off x="3497272" y="1097880"/>
+            <a:ext cx="1663086" cy="2007909"/>
+            <a:chOff x="1272619" y="1216058"/>
+            <a:chExt cx="3355942" cy="2007909"/>
+          </a:xfrm>
+        </p:grpSpPr>
+        <p:sp>
+          <p:nvSpPr>
+            <p:cNvPr id="17" name="Прямоугольник 16">
+              <a:extLst>
+                <a:ext uri="{FF2B5EF4-FFF2-40B4-BE49-F238E27FC236}">
+                  <a16:creationId xmlns:a16="http://schemas.microsoft.com/office/drawing/2014/main" id="{3876F06D-B418-0B1B-7362-CF79A6C2801A}"/>
+                </a:ext>
+              </a:extLst>
+            </p:cNvPr>
+            <p:cNvSpPr/>
+            <p:nvPr/>
+          </p:nvSpPr>
+          <p:spPr>
+            <a:xfrm>
+              <a:off x="1272619" y="1216058"/>
+              <a:ext cx="3355942" cy="2007909"/>
+            </a:xfrm>
+            <a:prstGeom prst="rect">
+              <a:avLst/>
+            </a:prstGeom>
+            <a:solidFill>
+              <a:schemeClr val="accent1">
+                <a:lumMod val="20000"/>
+                <a:lumOff val="80000"/>
+              </a:schemeClr>
+            </a:solidFill>
+          </p:spPr>
+          <p:style>
+            <a:lnRef idx="2">
+              <a:schemeClr val="accent1">
+                <a:shade val="15000"/>
+              </a:schemeClr>
+            </a:lnRef>
+            <a:fillRef idx="1">
+              <a:schemeClr val="accent1"/>
+            </a:fillRef>
+            <a:effectRef idx="0">
+              <a:schemeClr val="accent1"/>
+            </a:effectRef>
+            <a:fontRef idx="minor">
+              <a:schemeClr val="lt1"/>
+            </a:fontRef>
+          </p:style>
+          <p:txBody>
+            <a:bodyPr rtlCol="0" anchor="ctr"/>
+            <a:lstStyle/>
+            <a:p>
+              <a:endParaRPr lang="en-US" b="1" dirty="0">
+                <a:solidFill>
+                  <a:schemeClr val="tx1"/>
+                </a:solidFill>
+              </a:endParaRPr>
+            </a:p>
+            <a:p>
+              <a:r>
+                <a:rPr lang="en-US" b="1" dirty="0">
+                  <a:solidFill>
+                    <a:schemeClr val="tx1"/>
+                  </a:solidFill>
+                </a:rPr>
+                <a:t>Vacation_type</a:t>
+              </a:r>
+            </a:p>
+            <a:p>
+              <a:r>
+                <a:rPr lang="en-US" dirty="0">
+                  <a:solidFill>
+                    <a:schemeClr val="tx1"/>
+                  </a:solidFill>
+                </a:rPr>
+                <a:t>Vacation_name</a:t>
+              </a:r>
+            </a:p>
+            <a:p>
+              <a:r>
+                <a:rPr lang="en-US" dirty="0">
+                  <a:solidFill>
+                    <a:schemeClr val="tx1"/>
+                  </a:solidFill>
+                </a:rPr>
+                <a:t>Date_from</a:t>
+              </a:r>
+            </a:p>
+            <a:p>
+              <a:r>
+                <a:rPr lang="en-US" b="1" dirty="0">
+                  <a:solidFill>
+                    <a:schemeClr val="tx1"/>
+                  </a:solidFill>
+                </a:rPr>
+                <a:t>Date_to</a:t>
+              </a:r>
+            </a:p>
+          </p:txBody>
+        </p:sp>
+        <p:sp>
+          <p:nvSpPr>
+            <p:cNvPr id="18" name="Прямоугольник 17">
+              <a:extLst>
+                <a:ext uri="{FF2B5EF4-FFF2-40B4-BE49-F238E27FC236}">
+                  <a16:creationId xmlns:a16="http://schemas.microsoft.com/office/drawing/2014/main" id="{D2850349-18CD-37AE-4E58-83E7DFEFB73A}"/>
+                </a:ext>
+              </a:extLst>
+            </p:cNvPr>
+            <p:cNvSpPr/>
+            <p:nvPr/>
+          </p:nvSpPr>
+          <p:spPr>
+            <a:xfrm>
+              <a:off x="1272619" y="1216058"/>
+              <a:ext cx="3355942" cy="405352"/>
+            </a:xfrm>
+            <a:prstGeom prst="rect">
+              <a:avLst/>
+            </a:prstGeom>
+          </p:spPr>
+          <p:style>
+            <a:lnRef idx="2">
+              <a:schemeClr val="accent1">
+                <a:shade val="15000"/>
+              </a:schemeClr>
+            </a:lnRef>
+            <a:fillRef idx="1">
+              <a:schemeClr val="accent1"/>
+            </a:fillRef>
+            <a:effectRef idx="0">
+              <a:schemeClr val="accent1"/>
+            </a:effectRef>
+            <a:fontRef idx="minor">
+              <a:schemeClr val="lt1"/>
+            </a:fontRef>
+          </p:style>
+          <p:txBody>
+            <a:bodyPr rtlCol="0" anchor="ctr"/>
+            <a:lstStyle/>
+            <a:p>
+              <a:r>
+                <a:rPr lang="en-US" dirty="0"/>
+                <a:t>dic.vacation</a:t>
+              </a:r>
+              <a:endParaRPr lang="ru-RU" dirty="0"/>
+            </a:p>
+          </p:txBody>
+        </p:sp>
+      </p:grpSp>
+      <p:grpSp>
+        <p:nvGrpSpPr>
+          <p:cNvPr id="19" name="Группа 18">
+            <a:extLst>
+              <a:ext uri="{FF2B5EF4-FFF2-40B4-BE49-F238E27FC236}">
+                <a16:creationId xmlns:a16="http://schemas.microsoft.com/office/drawing/2014/main" id="{7D0DE899-3BE7-96FE-75B0-333F53084CB3}"/>
+              </a:ext>
+            </a:extLst>
+          </p:cNvPr>
+          <p:cNvGrpSpPr/>
+          <p:nvPr/>
+        </p:nvGrpSpPr>
+        <p:grpSpPr>
+          <a:xfrm>
+            <a:off x="751773" y="1097879"/>
+            <a:ext cx="1663086" cy="2007909"/>
+            <a:chOff x="1272619" y="1216058"/>
+            <a:chExt cx="3355942" cy="2007909"/>
+          </a:xfrm>
+        </p:grpSpPr>
+        <p:sp>
+          <p:nvSpPr>
+            <p:cNvPr id="20" name="Прямоугольник 19">
+              <a:extLst>
+                <a:ext uri="{FF2B5EF4-FFF2-40B4-BE49-F238E27FC236}">
+                  <a16:creationId xmlns:a16="http://schemas.microsoft.com/office/drawing/2014/main" id="{389852C9-0692-ED9D-6A5D-DDA6FCF3064D}"/>
+                </a:ext>
+              </a:extLst>
+            </p:cNvPr>
+            <p:cNvSpPr/>
+            <p:nvPr/>
+          </p:nvSpPr>
+          <p:spPr>
+            <a:xfrm>
+              <a:off x="1272619" y="1216058"/>
+              <a:ext cx="3355942" cy="2007909"/>
+            </a:xfrm>
+            <a:prstGeom prst="rect">
+              <a:avLst/>
+            </a:prstGeom>
+            <a:solidFill>
+              <a:schemeClr val="accent1">
+                <a:lumMod val="20000"/>
+                <a:lumOff val="80000"/>
+              </a:schemeClr>
+            </a:solidFill>
+          </p:spPr>
+          <p:style>
+            <a:lnRef idx="2">
+              <a:schemeClr val="accent1">
+                <a:shade val="15000"/>
+              </a:schemeClr>
+            </a:lnRef>
+            <a:fillRef idx="1">
+              <a:schemeClr val="accent1"/>
+            </a:fillRef>
+            <a:effectRef idx="0">
+              <a:schemeClr val="accent1"/>
+            </a:effectRef>
+            <a:fontRef idx="minor">
+              <a:schemeClr val="lt1"/>
+            </a:fontRef>
+          </p:style>
+          <p:txBody>
+            <a:bodyPr rtlCol="0" anchor="ctr"/>
+            <a:lstStyle/>
+            <a:p>
+              <a:endParaRPr lang="en-US" dirty="0">
+                <a:solidFill>
+                  <a:schemeClr val="tx1"/>
+                </a:solidFill>
+              </a:endParaRPr>
+            </a:p>
+            <a:p>
+              <a:r>
+                <a:rPr lang="en-US" b="1" dirty="0">
+                  <a:solidFill>
+                    <a:schemeClr val="tx1"/>
+                  </a:solidFill>
+                </a:rPr>
+                <a:t>Limit_type</a:t>
+              </a:r>
+            </a:p>
+            <a:p>
+              <a:r>
+                <a:rPr lang="en-US" b="1" dirty="0">
+                  <a:solidFill>
+                    <a:schemeClr val="tx1"/>
+                  </a:solidFill>
+                </a:rPr>
+                <a:t>Vacation_type</a:t>
+              </a:r>
+            </a:p>
+            <a:p>
+              <a:r>
+                <a:rPr lang="en-US" dirty="0">
+                  <a:solidFill>
+                    <a:schemeClr val="tx1"/>
+                  </a:solidFill>
+                </a:rPr>
+                <a:t>Date_from</a:t>
+              </a:r>
+            </a:p>
+            <a:p>
+              <a:r>
+                <a:rPr lang="en-US" b="1" dirty="0">
+                  <a:solidFill>
+                    <a:schemeClr val="tx1"/>
+                  </a:solidFill>
+                </a:rPr>
+                <a:t>Date_to</a:t>
+              </a:r>
+            </a:p>
+          </p:txBody>
+        </p:sp>
+        <p:sp>
+          <p:nvSpPr>
+            <p:cNvPr id="21" name="Прямоугольник 20">
+              <a:extLst>
+                <a:ext uri="{FF2B5EF4-FFF2-40B4-BE49-F238E27FC236}">
+                  <a16:creationId xmlns:a16="http://schemas.microsoft.com/office/drawing/2014/main" id="{4EDF5514-B421-4FCB-D4A0-69BD0EF45B9E}"/>
+                </a:ext>
+              </a:extLst>
+            </p:cNvPr>
+            <p:cNvSpPr/>
+            <p:nvPr/>
+          </p:nvSpPr>
+          <p:spPr>
+            <a:xfrm>
+              <a:off x="1272619" y="1216058"/>
+              <a:ext cx="3355942" cy="405352"/>
+            </a:xfrm>
+            <a:prstGeom prst="rect">
+              <a:avLst/>
+            </a:prstGeom>
+          </p:spPr>
+          <p:style>
+            <a:lnRef idx="2">
+              <a:schemeClr val="accent1">
+                <a:shade val="15000"/>
+              </a:schemeClr>
+            </a:lnRef>
+            <a:fillRef idx="1">
+              <a:schemeClr val="accent1"/>
+            </a:fillRef>
+            <a:effectRef idx="0">
+              <a:schemeClr val="accent1"/>
+            </a:effectRef>
+            <a:fontRef idx="minor">
+              <a:schemeClr val="lt1"/>
+            </a:fontRef>
+          </p:style>
+          <p:txBody>
+            <a:bodyPr rtlCol="0" anchor="ctr"/>
+            <a:lstStyle/>
+            <a:p>
+              <a:r>
+                <a:rPr lang="en-US" dirty="0" err="1"/>
+                <a:t>dic.vac_lim</a:t>
+              </a:r>
+              <a:endParaRPr lang="ru-RU" dirty="0"/>
+            </a:p>
+          </p:txBody>
+        </p:sp>
+      </p:grpSp>
+      <p:grpSp>
+        <p:nvGrpSpPr>
+          <p:cNvPr id="22" name="Группа 21">
+            <a:extLst>
+              <a:ext uri="{FF2B5EF4-FFF2-40B4-BE49-F238E27FC236}">
+                <a16:creationId xmlns:a16="http://schemas.microsoft.com/office/drawing/2014/main" id="{2A43F6EF-9842-6186-36C6-26CFCCB6F176}"/>
+              </a:ext>
+            </a:extLst>
+          </p:cNvPr>
+          <p:cNvGrpSpPr/>
+          <p:nvPr/>
+        </p:nvGrpSpPr>
+        <p:grpSpPr>
+          <a:xfrm>
+            <a:off x="6795016" y="1097879"/>
+            <a:ext cx="1663086" cy="2007909"/>
+            <a:chOff x="1272619" y="1216058"/>
+            <a:chExt cx="3355942" cy="2007909"/>
+          </a:xfrm>
+        </p:grpSpPr>
+        <p:sp>
+          <p:nvSpPr>
+            <p:cNvPr id="23" name="Прямоугольник 22">
+              <a:extLst>
+                <a:ext uri="{FF2B5EF4-FFF2-40B4-BE49-F238E27FC236}">
+                  <a16:creationId xmlns:a16="http://schemas.microsoft.com/office/drawing/2014/main" id="{76B726C3-EFFD-0EE8-8FBD-B2E02853BA12}"/>
+                </a:ext>
+              </a:extLst>
+            </p:cNvPr>
+            <p:cNvSpPr/>
+            <p:nvPr/>
+          </p:nvSpPr>
+          <p:spPr>
+            <a:xfrm>
+              <a:off x="1272619" y="1216058"/>
+              <a:ext cx="3355942" cy="2007909"/>
+            </a:xfrm>
+            <a:prstGeom prst="rect">
+              <a:avLst/>
+            </a:prstGeom>
+            <a:solidFill>
+              <a:schemeClr val="accent6">
+                <a:lumMod val="20000"/>
+                <a:lumOff val="80000"/>
+              </a:schemeClr>
+            </a:solidFill>
+          </p:spPr>
+          <p:style>
+            <a:lnRef idx="2">
+              <a:schemeClr val="accent1">
+                <a:shade val="15000"/>
+              </a:schemeClr>
+            </a:lnRef>
+            <a:fillRef idx="1">
+              <a:schemeClr val="accent1"/>
+            </a:fillRef>
+            <a:effectRef idx="0">
+              <a:schemeClr val="accent1"/>
+            </a:effectRef>
+            <a:fontRef idx="minor">
+              <a:schemeClr val="lt1"/>
+            </a:fontRef>
+          </p:style>
+          <p:txBody>
+            <a:bodyPr rtlCol="0" anchor="ctr"/>
+            <a:lstStyle/>
+            <a:p>
+              <a:endParaRPr lang="en-US" dirty="0">
+                <a:solidFill>
+                  <a:schemeClr val="tx1"/>
+                </a:solidFill>
+              </a:endParaRPr>
+            </a:p>
+            <a:p>
+              <a:r>
+                <a:rPr lang="en-US" b="1" dirty="0">
+                  <a:solidFill>
+                    <a:schemeClr val="tx1"/>
+                  </a:solidFill>
+                </a:rPr>
+                <a:t>TN</a:t>
+              </a:r>
+            </a:p>
+            <a:p>
+              <a:r>
+                <a:rPr lang="en-US" dirty="0">
+                  <a:solidFill>
+                    <a:schemeClr val="tx1"/>
+                  </a:solidFill>
+                </a:rPr>
+                <a:t>Vacation_type</a:t>
+              </a:r>
+            </a:p>
+            <a:p>
+              <a:r>
+                <a:rPr lang="en-US" dirty="0">
+                  <a:solidFill>
+                    <a:schemeClr val="tx1"/>
+                  </a:solidFill>
+                </a:rPr>
+                <a:t>Date_from</a:t>
+              </a:r>
+            </a:p>
+            <a:p>
+              <a:r>
+                <a:rPr lang="en-US" b="1" dirty="0">
+                  <a:solidFill>
+                    <a:schemeClr val="tx1"/>
+                  </a:solidFill>
+                </a:rPr>
+                <a:t>Date_to</a:t>
+              </a:r>
+            </a:p>
+            <a:p>
+              <a:r>
+                <a:rPr lang="en-US" dirty="0">
+                  <a:solidFill>
+                    <a:schemeClr val="tx1"/>
+                  </a:solidFill>
+                </a:rPr>
+                <a:t>Ndays</a:t>
+              </a:r>
+              <a:endParaRPr lang="ru-RU" dirty="0">
+                <a:solidFill>
+                  <a:schemeClr val="tx1"/>
+                </a:solidFill>
+              </a:endParaRPr>
+            </a:p>
+          </p:txBody>
+        </p:sp>
+        <p:sp>
+          <p:nvSpPr>
+            <p:cNvPr id="24" name="Прямоугольник 23">
+              <a:extLst>
+                <a:ext uri="{FF2B5EF4-FFF2-40B4-BE49-F238E27FC236}">
+                  <a16:creationId xmlns:a16="http://schemas.microsoft.com/office/drawing/2014/main" id="{D664A818-91E0-0BCA-7E40-8AF6B76CB3B6}"/>
+                </a:ext>
+              </a:extLst>
+            </p:cNvPr>
+            <p:cNvSpPr/>
+            <p:nvPr/>
+          </p:nvSpPr>
+          <p:spPr>
+            <a:xfrm>
+              <a:off x="1272619" y="1216058"/>
+              <a:ext cx="3355942" cy="405352"/>
+            </a:xfrm>
+            <a:prstGeom prst="rect">
+              <a:avLst/>
+            </a:prstGeom>
+            <a:solidFill>
+              <a:schemeClr val="accent6">
+                <a:lumMod val="75000"/>
+              </a:schemeClr>
+            </a:solidFill>
+          </p:spPr>
+          <p:style>
+            <a:lnRef idx="2">
+              <a:schemeClr val="accent1">
+                <a:shade val="15000"/>
+              </a:schemeClr>
+            </a:lnRef>
+            <a:fillRef idx="1">
+              <a:schemeClr val="accent1"/>
+            </a:fillRef>
+            <a:effectRef idx="0">
+              <a:schemeClr val="accent1"/>
+            </a:effectRef>
+            <a:fontRef idx="minor">
+              <a:schemeClr val="lt1"/>
+            </a:fontRef>
+          </p:style>
+          <p:txBody>
+            <a:bodyPr rtlCol="0" anchor="ctr"/>
+            <a:lstStyle/>
+            <a:p>
+              <a:r>
+                <a:rPr lang="en-US" dirty="0" err="1"/>
+                <a:t>dbo.vacation</a:t>
+              </a:r>
+              <a:endParaRPr lang="ru-RU" dirty="0"/>
+            </a:p>
+          </p:txBody>
+        </p:sp>
+      </p:grpSp>
+      <p:cxnSp>
+        <p:nvCxnSpPr>
+          <p:cNvPr id="25" name="Прямая со стрелкой 24">
+            <a:extLst>
+              <a:ext uri="{FF2B5EF4-FFF2-40B4-BE49-F238E27FC236}">
+                <a16:creationId xmlns:a16="http://schemas.microsoft.com/office/drawing/2014/main" id="{15FF597D-2BD5-A3AA-A412-B6C226D8CBA8}"/>
+              </a:ext>
+            </a:extLst>
+          </p:cNvPr>
+          <p:cNvCxnSpPr>
+            <a:cxnSpLocks/>
+          </p:cNvCxnSpPr>
+          <p:nvPr/>
+        </p:nvCxnSpPr>
+        <p:spPr>
+          <a:xfrm>
+            <a:off x="5160358" y="1833339"/>
+            <a:ext cx="1634658" cy="146376"/>
+          </a:xfrm>
+          <a:prstGeom prst="straightConnector1">
+            <a:avLst/>
+          </a:prstGeom>
+          <a:ln w="38100">
+            <a:tailEnd type="triangle"/>
+          </a:ln>
+        </p:spPr>
+        <p:style>
+          <a:lnRef idx="1">
+            <a:schemeClr val="accent1"/>
+          </a:lnRef>
+          <a:fillRef idx="0">
+            <a:schemeClr val="accent1"/>
+          </a:fillRef>
+          <a:effectRef idx="0">
+            <a:schemeClr val="accent1"/>
+          </a:effectRef>
+          <a:fontRef idx="minor">
+            <a:schemeClr val="tx1"/>
+          </a:fontRef>
+        </p:style>
+      </p:cxnSp>
+      <p:cxnSp>
+        <p:nvCxnSpPr>
+          <p:cNvPr id="26" name="Прямая со стрелкой 25">
+            <a:extLst>
+              <a:ext uri="{FF2B5EF4-FFF2-40B4-BE49-F238E27FC236}">
+                <a16:creationId xmlns:a16="http://schemas.microsoft.com/office/drawing/2014/main" id="{F475FF5A-8C00-0777-5285-450D256BDC02}"/>
+              </a:ext>
+            </a:extLst>
+          </p:cNvPr>
+          <p:cNvCxnSpPr>
+            <a:cxnSpLocks/>
+          </p:cNvCxnSpPr>
+          <p:nvPr/>
+        </p:nvCxnSpPr>
+        <p:spPr>
+          <a:xfrm flipH="1">
+            <a:off x="8458102" y="1615741"/>
+            <a:ext cx="1082413" cy="0"/>
+          </a:xfrm>
+          <a:prstGeom prst="straightConnector1">
+            <a:avLst/>
+          </a:prstGeom>
+          <a:ln w="38100">
+            <a:tailEnd type="triangle"/>
+          </a:ln>
+        </p:spPr>
+        <p:style>
+          <a:lnRef idx="1">
+            <a:schemeClr val="accent1"/>
+          </a:lnRef>
+          <a:fillRef idx="0">
+            <a:schemeClr val="accent1"/>
+          </a:fillRef>
+          <a:effectRef idx="0">
+            <a:schemeClr val="accent1"/>
+          </a:effectRef>
+          <a:fontRef idx="minor">
+            <a:schemeClr val="tx1"/>
+          </a:fontRef>
+        </p:style>
+      </p:cxnSp>
+      <p:cxnSp>
+        <p:nvCxnSpPr>
+          <p:cNvPr id="27" name="Прямая со стрелкой 26">
+            <a:extLst>
+              <a:ext uri="{FF2B5EF4-FFF2-40B4-BE49-F238E27FC236}">
+                <a16:creationId xmlns:a16="http://schemas.microsoft.com/office/drawing/2014/main" id="{6832928C-40AD-7FE7-DB20-6BF023BA7D93}"/>
+              </a:ext>
+            </a:extLst>
+          </p:cNvPr>
+          <p:cNvCxnSpPr>
+            <a:cxnSpLocks/>
+          </p:cNvCxnSpPr>
+          <p:nvPr/>
+        </p:nvCxnSpPr>
+        <p:spPr>
+          <a:xfrm flipH="1">
+            <a:off x="584153" y="1833339"/>
+            <a:ext cx="20197" cy="2893152"/>
+          </a:xfrm>
+          <a:prstGeom prst="straightConnector1">
+            <a:avLst/>
+          </a:prstGeom>
+          <a:ln w="38100">
+            <a:tailEnd type="none"/>
+          </a:ln>
+        </p:spPr>
+        <p:style>
+          <a:lnRef idx="1">
+            <a:schemeClr val="accent1"/>
+          </a:lnRef>
+          <a:fillRef idx="0">
+            <a:schemeClr val="accent1"/>
+          </a:fillRef>
+          <a:effectRef idx="0">
+            <a:schemeClr val="accent1"/>
+          </a:effectRef>
+          <a:fontRef idx="minor">
+            <a:schemeClr val="tx1"/>
+          </a:fontRef>
+        </p:style>
+      </p:cxnSp>
+      <p:grpSp>
+        <p:nvGrpSpPr>
+          <p:cNvPr id="28" name="Группа 27">
+            <a:extLst>
+              <a:ext uri="{FF2B5EF4-FFF2-40B4-BE49-F238E27FC236}">
+                <a16:creationId xmlns:a16="http://schemas.microsoft.com/office/drawing/2014/main" id="{43523FB9-9F2E-3880-63BE-97EC961B02DE}"/>
+              </a:ext>
+            </a:extLst>
+          </p:cNvPr>
+          <p:cNvGrpSpPr/>
+          <p:nvPr/>
+        </p:nvGrpSpPr>
+        <p:grpSpPr>
+          <a:xfrm>
+            <a:off x="3497272" y="4094306"/>
+            <a:ext cx="1798741" cy="2007909"/>
+            <a:chOff x="1272619" y="1216058"/>
+            <a:chExt cx="3355942" cy="2007909"/>
+          </a:xfrm>
+        </p:grpSpPr>
+        <p:sp>
+          <p:nvSpPr>
+            <p:cNvPr id="29" name="Прямоугольник 28">
+              <a:extLst>
+                <a:ext uri="{FF2B5EF4-FFF2-40B4-BE49-F238E27FC236}">
+                  <a16:creationId xmlns:a16="http://schemas.microsoft.com/office/drawing/2014/main" id="{3A270262-54D3-903B-21D9-0C0FF6CB1CD0}"/>
+                </a:ext>
+              </a:extLst>
+            </p:cNvPr>
+            <p:cNvSpPr/>
+            <p:nvPr/>
+          </p:nvSpPr>
+          <p:spPr>
+            <a:xfrm>
+              <a:off x="1272619" y="1216058"/>
+              <a:ext cx="3355942" cy="2007909"/>
+            </a:xfrm>
+            <a:prstGeom prst="rect">
+              <a:avLst/>
+            </a:prstGeom>
+            <a:solidFill>
+              <a:schemeClr val="accent1">
+                <a:lumMod val="20000"/>
+                <a:lumOff val="80000"/>
+              </a:schemeClr>
+            </a:solidFill>
+          </p:spPr>
+          <p:style>
+            <a:lnRef idx="2">
+              <a:schemeClr val="accent1">
+                <a:shade val="15000"/>
+              </a:schemeClr>
+            </a:lnRef>
+            <a:fillRef idx="1">
+              <a:schemeClr val="accent1"/>
+            </a:fillRef>
+            <a:effectRef idx="0">
+              <a:schemeClr val="accent1"/>
+            </a:effectRef>
+            <a:fontRef idx="minor">
+              <a:schemeClr val="lt1"/>
+            </a:fontRef>
+          </p:style>
+          <p:txBody>
+            <a:bodyPr rtlCol="0" anchor="ctr"/>
+            <a:lstStyle/>
+            <a:p>
+              <a:endParaRPr lang="en-US" dirty="0">
+                <a:solidFill>
+                  <a:schemeClr val="tx1"/>
+                </a:solidFill>
+              </a:endParaRPr>
+            </a:p>
+            <a:p>
+              <a:r>
+                <a:rPr lang="en-US" b="1" dirty="0">
+                  <a:solidFill>
+                    <a:schemeClr val="tx1"/>
+                  </a:solidFill>
+                </a:rPr>
+                <a:t>Condition_type</a:t>
+              </a:r>
+            </a:p>
+            <a:p>
+              <a:r>
+                <a:rPr lang="en-US" dirty="0">
+                  <a:solidFill>
+                    <a:schemeClr val="tx1"/>
+                  </a:solidFill>
+                </a:rPr>
+                <a:t>Condition_name</a:t>
+              </a:r>
+            </a:p>
+            <a:p>
+              <a:r>
+                <a:rPr lang="en-US" dirty="0">
+                  <a:solidFill>
+                    <a:schemeClr val="tx1"/>
+                  </a:solidFill>
+                </a:rPr>
+                <a:t>Main_limit_type</a:t>
+              </a:r>
+            </a:p>
+            <a:p>
+              <a:r>
+                <a:rPr lang="en-US" dirty="0">
+                  <a:solidFill>
+                    <a:schemeClr val="tx1"/>
+                  </a:solidFill>
+                </a:rPr>
+                <a:t>Add_limit_type</a:t>
+              </a:r>
+            </a:p>
+          </p:txBody>
+        </p:sp>
+        <p:sp>
+          <p:nvSpPr>
+            <p:cNvPr id="30" name="Прямоугольник 29">
+              <a:extLst>
+                <a:ext uri="{FF2B5EF4-FFF2-40B4-BE49-F238E27FC236}">
+                  <a16:creationId xmlns:a16="http://schemas.microsoft.com/office/drawing/2014/main" id="{0F3675EB-07CD-03D0-6419-1D782595526C}"/>
+                </a:ext>
+              </a:extLst>
+            </p:cNvPr>
+            <p:cNvSpPr/>
+            <p:nvPr/>
+          </p:nvSpPr>
+          <p:spPr>
+            <a:xfrm>
+              <a:off x="1272619" y="1216058"/>
+              <a:ext cx="3355942" cy="405352"/>
+            </a:xfrm>
+            <a:prstGeom prst="rect">
+              <a:avLst/>
+            </a:prstGeom>
+          </p:spPr>
+          <p:style>
+            <a:lnRef idx="2">
+              <a:schemeClr val="accent1">
+                <a:shade val="15000"/>
+              </a:schemeClr>
+            </a:lnRef>
+            <a:fillRef idx="1">
+              <a:schemeClr val="accent1"/>
+            </a:fillRef>
+            <a:effectRef idx="0">
+              <a:schemeClr val="accent1"/>
+            </a:effectRef>
+            <a:fontRef idx="minor">
+              <a:schemeClr val="lt1"/>
+            </a:fontRef>
+          </p:style>
+          <p:txBody>
+            <a:bodyPr rtlCol="0" anchor="ctr"/>
+            <a:lstStyle/>
+            <a:p>
+              <a:r>
+                <a:rPr lang="en-US" dirty="0" err="1"/>
+                <a:t>dic.conditions</a:t>
+              </a:r>
+              <a:endParaRPr lang="ru-RU" dirty="0"/>
+            </a:p>
+          </p:txBody>
+        </p:sp>
+      </p:grpSp>
+      <p:cxnSp>
+        <p:nvCxnSpPr>
+          <p:cNvPr id="31" name="Соединитель: уступ 30">
+            <a:extLst>
+              <a:ext uri="{FF2B5EF4-FFF2-40B4-BE49-F238E27FC236}">
+                <a16:creationId xmlns:a16="http://schemas.microsoft.com/office/drawing/2014/main" id="{A90EF0AD-C2CD-9266-E724-18015DD6B906}"/>
+              </a:ext>
+            </a:extLst>
+          </p:cNvPr>
+          <p:cNvCxnSpPr>
+            <a:cxnSpLocks/>
+          </p:cNvCxnSpPr>
+          <p:nvPr/>
+        </p:nvCxnSpPr>
+        <p:spPr>
+          <a:xfrm>
+            <a:off x="2423136" y="4660147"/>
+            <a:ext cx="1090444" cy="744487"/>
+          </a:xfrm>
+          <a:prstGeom prst="bentConnector3">
+            <a:avLst/>
+          </a:prstGeom>
+          <a:ln w="38100">
+            <a:tailEnd type="triangle"/>
+          </a:ln>
+        </p:spPr>
+        <p:style>
+          <a:lnRef idx="1">
+            <a:schemeClr val="accent1"/>
+          </a:lnRef>
+          <a:fillRef idx="0">
+            <a:schemeClr val="accent1"/>
+          </a:fillRef>
+          <a:effectRef idx="0">
+            <a:schemeClr val="accent1"/>
+          </a:effectRef>
+          <a:fontRef idx="minor">
+            <a:schemeClr val="tx1"/>
+          </a:fontRef>
+        </p:style>
+      </p:cxnSp>
+      <p:cxnSp>
+        <p:nvCxnSpPr>
+          <p:cNvPr id="32" name="Соединитель: уступ 31">
+            <a:extLst>
+              <a:ext uri="{FF2B5EF4-FFF2-40B4-BE49-F238E27FC236}">
+                <a16:creationId xmlns:a16="http://schemas.microsoft.com/office/drawing/2014/main" id="{2A9E71AF-E60B-9736-D128-F40917175505}"/>
+              </a:ext>
+            </a:extLst>
+          </p:cNvPr>
+          <p:cNvCxnSpPr>
+            <a:cxnSpLocks/>
+          </p:cNvCxnSpPr>
+          <p:nvPr/>
+        </p:nvCxnSpPr>
+        <p:spPr>
+          <a:xfrm>
+            <a:off x="2423136" y="4726491"/>
+            <a:ext cx="1090444" cy="927983"/>
+          </a:xfrm>
+          <a:prstGeom prst="bentConnector3">
+            <a:avLst>
+              <a:gd name="adj1" fmla="val 37897"/>
+            </a:avLst>
+          </a:prstGeom>
+          <a:ln w="38100">
+            <a:tailEnd type="triangle"/>
+          </a:ln>
+        </p:spPr>
+        <p:style>
+          <a:lnRef idx="1">
+            <a:schemeClr val="accent1"/>
+          </a:lnRef>
+          <a:fillRef idx="0">
+            <a:schemeClr val="accent1"/>
+          </a:fillRef>
+          <a:effectRef idx="0">
+            <a:schemeClr val="accent1"/>
+          </a:effectRef>
+          <a:fontRef idx="minor">
+            <a:schemeClr val="tx1"/>
+          </a:fontRef>
+        </p:style>
+      </p:cxnSp>
+      <p:cxnSp>
+        <p:nvCxnSpPr>
+          <p:cNvPr id="33" name="Соединитель: уступ 104">
+            <a:extLst>
+              <a:ext uri="{FF2B5EF4-FFF2-40B4-BE49-F238E27FC236}">
+                <a16:creationId xmlns:a16="http://schemas.microsoft.com/office/drawing/2014/main" id="{172979F0-A587-9E06-B070-7618C08E7026}"/>
+              </a:ext>
+            </a:extLst>
+          </p:cNvPr>
+          <p:cNvCxnSpPr>
+            <a:cxnSpLocks/>
+          </p:cNvCxnSpPr>
+          <p:nvPr/>
+        </p:nvCxnSpPr>
+        <p:spPr>
+          <a:xfrm>
+            <a:off x="584153" y="4708517"/>
+            <a:ext cx="178574" cy="0"/>
+          </a:xfrm>
+          <a:prstGeom prst="straightConnector1">
+            <a:avLst/>
+          </a:prstGeom>
+          <a:ln w="38100">
+            <a:tailEnd type="none"/>
+          </a:ln>
+        </p:spPr>
+        <p:style>
+          <a:lnRef idx="1">
+            <a:schemeClr val="accent1"/>
+          </a:lnRef>
+          <a:fillRef idx="0">
+            <a:schemeClr val="accent1"/>
+          </a:fillRef>
+          <a:effectRef idx="0">
+            <a:schemeClr val="accent1"/>
+          </a:effectRef>
+          <a:fontRef idx="minor">
+            <a:schemeClr val="tx1"/>
+          </a:fontRef>
+        </p:style>
+      </p:cxnSp>
+      <p:cxnSp>
+        <p:nvCxnSpPr>
+          <p:cNvPr id="34" name="Соединитель: уступ 104">
+            <a:extLst>
+              <a:ext uri="{FF2B5EF4-FFF2-40B4-BE49-F238E27FC236}">
+                <a16:creationId xmlns:a16="http://schemas.microsoft.com/office/drawing/2014/main" id="{F1CEE425-9D0E-F71E-E2A8-D6F9CF449339}"/>
+              </a:ext>
+            </a:extLst>
+          </p:cNvPr>
+          <p:cNvCxnSpPr>
+            <a:cxnSpLocks/>
+          </p:cNvCxnSpPr>
+          <p:nvPr/>
+        </p:nvCxnSpPr>
+        <p:spPr>
+          <a:xfrm flipH="1">
+            <a:off x="584153" y="1850726"/>
+            <a:ext cx="181988" cy="0"/>
+          </a:xfrm>
+          <a:prstGeom prst="straightConnector1">
+            <a:avLst/>
+          </a:prstGeom>
+          <a:ln w="38100">
+            <a:headEnd type="triangle"/>
+            <a:tailEnd type="none"/>
+          </a:ln>
+        </p:spPr>
+        <p:style>
+          <a:lnRef idx="1">
+            <a:schemeClr val="accent1"/>
+          </a:lnRef>
+          <a:fillRef idx="0">
+            <a:schemeClr val="accent1"/>
+          </a:fillRef>
+          <a:effectRef idx="0">
+            <a:schemeClr val="accent1"/>
+          </a:effectRef>
+          <a:fontRef idx="minor">
+            <a:schemeClr val="tx1"/>
+          </a:fontRef>
+        </p:style>
+      </p:cxnSp>
+      <p:cxnSp>
+        <p:nvCxnSpPr>
+          <p:cNvPr id="35" name="Прямая со стрелкой 34">
+            <a:extLst>
+              <a:ext uri="{FF2B5EF4-FFF2-40B4-BE49-F238E27FC236}">
+                <a16:creationId xmlns:a16="http://schemas.microsoft.com/office/drawing/2014/main" id="{6F02E081-9D08-6765-E583-EAF720654756}"/>
+              </a:ext>
+            </a:extLst>
+          </p:cNvPr>
+          <p:cNvCxnSpPr>
+            <a:cxnSpLocks/>
+          </p:cNvCxnSpPr>
+          <p:nvPr/>
+        </p:nvCxnSpPr>
+        <p:spPr>
+          <a:xfrm flipH="1">
+            <a:off x="2414859" y="1824832"/>
+            <a:ext cx="1088420" cy="303323"/>
+          </a:xfrm>
+          <a:prstGeom prst="straightConnector1">
+            <a:avLst/>
+          </a:prstGeom>
+          <a:ln w="38100">
+            <a:tailEnd type="triangle"/>
+          </a:ln>
+        </p:spPr>
+        <p:style>
+          <a:lnRef idx="1">
+            <a:schemeClr val="accent1"/>
+          </a:lnRef>
+          <a:fillRef idx="0">
+            <a:schemeClr val="accent1"/>
+          </a:fillRef>
+          <a:effectRef idx="0">
+            <a:schemeClr val="accent1"/>
+          </a:effectRef>
+          <a:fontRef idx="minor">
+            <a:schemeClr val="tx1"/>
+          </a:fontRef>
+        </p:style>
+      </p:cxnSp>
+      <p:cxnSp>
+        <p:nvCxnSpPr>
+          <p:cNvPr id="36" name="Прямая со стрелкой 35">
+            <a:extLst>
+              <a:ext uri="{FF2B5EF4-FFF2-40B4-BE49-F238E27FC236}">
+                <a16:creationId xmlns:a16="http://schemas.microsoft.com/office/drawing/2014/main" id="{7DF975D9-BB69-7229-6487-9AA3D54C5B4B}"/>
+              </a:ext>
+            </a:extLst>
+          </p:cNvPr>
+          <p:cNvCxnSpPr>
+            <a:cxnSpLocks/>
+          </p:cNvCxnSpPr>
+          <p:nvPr/>
+        </p:nvCxnSpPr>
+        <p:spPr>
+          <a:xfrm flipH="1">
+            <a:off x="9099992" y="1668238"/>
+            <a:ext cx="21785" cy="2991909"/>
+          </a:xfrm>
+          <a:prstGeom prst="straightConnector1">
+            <a:avLst/>
+          </a:prstGeom>
+          <a:ln w="38100">
+            <a:tailEnd type="none"/>
+          </a:ln>
+        </p:spPr>
+        <p:style>
+          <a:lnRef idx="1">
+            <a:schemeClr val="accent1"/>
+          </a:lnRef>
+          <a:fillRef idx="0">
+            <a:schemeClr val="accent1"/>
+          </a:fillRef>
+          <a:effectRef idx="0">
+            <a:schemeClr val="accent1"/>
+          </a:effectRef>
+          <a:fontRef idx="minor">
+            <a:schemeClr val="tx1"/>
+          </a:fontRef>
+        </p:style>
+      </p:cxnSp>
+      <p:cxnSp>
+        <p:nvCxnSpPr>
+          <p:cNvPr id="37" name="Соединитель: уступ 104">
+            <a:extLst>
+              <a:ext uri="{FF2B5EF4-FFF2-40B4-BE49-F238E27FC236}">
+                <a16:creationId xmlns:a16="http://schemas.microsoft.com/office/drawing/2014/main" id="{69377D0B-76AE-98A4-CE6B-EF426F8820F3}"/>
+              </a:ext>
+            </a:extLst>
+          </p:cNvPr>
+          <p:cNvCxnSpPr>
+            <a:cxnSpLocks/>
+          </p:cNvCxnSpPr>
+          <p:nvPr/>
+        </p:nvCxnSpPr>
+        <p:spPr>
+          <a:xfrm>
+            <a:off x="9101580" y="1668238"/>
+            <a:ext cx="438935" cy="0"/>
+          </a:xfrm>
+          <a:prstGeom prst="straightConnector1">
+            <a:avLst/>
+          </a:prstGeom>
+          <a:ln w="38100">
+            <a:tailEnd type="none"/>
+          </a:ln>
+        </p:spPr>
+        <p:style>
+          <a:lnRef idx="1">
+            <a:schemeClr val="accent1"/>
+          </a:lnRef>
+          <a:fillRef idx="0">
+            <a:schemeClr val="accent1"/>
+          </a:fillRef>
+          <a:effectRef idx="0">
+            <a:schemeClr val="accent1"/>
+          </a:effectRef>
+          <a:fontRef idx="minor">
+            <a:schemeClr val="tx1"/>
+          </a:fontRef>
+        </p:style>
+      </p:cxnSp>
+      <p:cxnSp>
+        <p:nvCxnSpPr>
+          <p:cNvPr id="38" name="Прямая со стрелкой 37">
+            <a:extLst>
+              <a:ext uri="{FF2B5EF4-FFF2-40B4-BE49-F238E27FC236}">
+                <a16:creationId xmlns:a16="http://schemas.microsoft.com/office/drawing/2014/main" id="{7683E8A9-FA02-EF0C-DAE3-29D352184CAD}"/>
+              </a:ext>
+            </a:extLst>
+          </p:cNvPr>
+          <p:cNvCxnSpPr>
+            <a:cxnSpLocks/>
+          </p:cNvCxnSpPr>
+          <p:nvPr/>
+        </p:nvCxnSpPr>
+        <p:spPr>
+          <a:xfrm flipH="1">
+            <a:off x="8458101" y="4643208"/>
+            <a:ext cx="652783" cy="0"/>
+          </a:xfrm>
+          <a:prstGeom prst="straightConnector1">
+            <a:avLst/>
+          </a:prstGeom>
+          <a:ln w="38100">
+            <a:tailEnd type="triangle"/>
+          </a:ln>
+        </p:spPr>
+        <p:style>
+          <a:lnRef idx="1">
+            <a:schemeClr val="accent1"/>
+          </a:lnRef>
+          <a:fillRef idx="0">
+            <a:schemeClr val="accent1"/>
+          </a:fillRef>
+          <a:effectRef idx="0">
+            <a:schemeClr val="accent1"/>
+          </a:effectRef>
+          <a:fontRef idx="minor">
+            <a:schemeClr val="tx1"/>
+          </a:fontRef>
+        </p:style>
+      </p:cxnSp>
+      <p:cxnSp>
+        <p:nvCxnSpPr>
+          <p:cNvPr id="39" name="Соединитель: уступ 104">
+            <a:extLst>
+              <a:ext uri="{FF2B5EF4-FFF2-40B4-BE49-F238E27FC236}">
+                <a16:creationId xmlns:a16="http://schemas.microsoft.com/office/drawing/2014/main" id="{6E6D648C-1B22-BFA1-CD8C-53D56317BAD0}"/>
+              </a:ext>
+            </a:extLst>
+          </p:cNvPr>
+          <p:cNvCxnSpPr>
+            <a:cxnSpLocks/>
+          </p:cNvCxnSpPr>
+          <p:nvPr/>
+        </p:nvCxnSpPr>
+        <p:spPr>
+          <a:xfrm>
+            <a:off x="9158112" y="1719038"/>
+            <a:ext cx="382403" cy="0"/>
+          </a:xfrm>
+          <a:prstGeom prst="straightConnector1">
+            <a:avLst/>
+          </a:prstGeom>
+          <a:ln w="38100">
+            <a:tailEnd type="none"/>
+          </a:ln>
+        </p:spPr>
+        <p:style>
+          <a:lnRef idx="1">
+            <a:schemeClr val="accent1"/>
+          </a:lnRef>
+          <a:fillRef idx="0">
+            <a:schemeClr val="accent1"/>
+          </a:fillRef>
+          <a:effectRef idx="0">
+            <a:schemeClr val="accent1"/>
+          </a:effectRef>
+          <a:fontRef idx="minor">
+            <a:schemeClr val="tx1"/>
+          </a:fontRef>
+        </p:style>
+      </p:cxnSp>
+      <p:cxnSp>
+        <p:nvCxnSpPr>
+          <p:cNvPr id="40" name="Прямая со стрелкой 39">
+            <a:extLst>
+              <a:ext uri="{FF2B5EF4-FFF2-40B4-BE49-F238E27FC236}">
+                <a16:creationId xmlns:a16="http://schemas.microsoft.com/office/drawing/2014/main" id="{D6C8CED8-83AC-9E70-A5E5-560FB4CE3C5F}"/>
+              </a:ext>
+            </a:extLst>
+          </p:cNvPr>
+          <p:cNvCxnSpPr>
+            <a:cxnSpLocks/>
+          </p:cNvCxnSpPr>
+          <p:nvPr/>
+        </p:nvCxnSpPr>
+        <p:spPr>
+          <a:xfrm flipH="1">
+            <a:off x="9158112" y="1703801"/>
+            <a:ext cx="21785" cy="3372534"/>
+          </a:xfrm>
+          <a:prstGeom prst="straightConnector1">
+            <a:avLst/>
+          </a:prstGeom>
+          <a:ln w="38100">
+            <a:tailEnd type="none"/>
+          </a:ln>
+        </p:spPr>
+        <p:style>
+          <a:lnRef idx="1">
+            <a:schemeClr val="accent1"/>
+          </a:lnRef>
+          <a:fillRef idx="0">
+            <a:schemeClr val="accent1"/>
+          </a:fillRef>
+          <a:effectRef idx="0">
+            <a:schemeClr val="accent1"/>
+          </a:effectRef>
+          <a:fontRef idx="minor">
+            <a:schemeClr val="tx1"/>
+          </a:fontRef>
+        </p:style>
+      </p:cxnSp>
+      <p:cxnSp>
+        <p:nvCxnSpPr>
+          <p:cNvPr id="41" name="Прямая со стрелкой 40">
+            <a:extLst>
+              <a:ext uri="{FF2B5EF4-FFF2-40B4-BE49-F238E27FC236}">
+                <a16:creationId xmlns:a16="http://schemas.microsoft.com/office/drawing/2014/main" id="{1C2EE166-E162-2941-9E85-55854E0232EC}"/>
+              </a:ext>
+            </a:extLst>
+          </p:cNvPr>
+          <p:cNvCxnSpPr>
+            <a:cxnSpLocks/>
+          </p:cNvCxnSpPr>
+          <p:nvPr/>
+        </p:nvCxnSpPr>
+        <p:spPr>
+          <a:xfrm>
+            <a:off x="9139632" y="5083252"/>
+            <a:ext cx="402471" cy="0"/>
+          </a:xfrm>
+          <a:prstGeom prst="straightConnector1">
+            <a:avLst/>
+          </a:prstGeom>
+          <a:ln w="38100">
+            <a:tailEnd type="triangle"/>
+          </a:ln>
+        </p:spPr>
+        <p:style>
+          <a:lnRef idx="1">
+            <a:schemeClr val="accent1"/>
+          </a:lnRef>
+          <a:fillRef idx="0">
+            <a:schemeClr val="accent1"/>
+          </a:fillRef>
+          <a:effectRef idx="0">
+            <a:schemeClr val="accent1"/>
+          </a:effectRef>
+          <a:fontRef idx="minor">
+            <a:schemeClr val="tx1"/>
+          </a:fontRef>
+        </p:style>
+      </p:cxnSp>
+      <p:cxnSp>
+        <p:nvCxnSpPr>
+          <p:cNvPr id="42" name="Прямая со стрелкой 41">
+            <a:extLst>
+              <a:ext uri="{FF2B5EF4-FFF2-40B4-BE49-F238E27FC236}">
+                <a16:creationId xmlns:a16="http://schemas.microsoft.com/office/drawing/2014/main" id="{1EBF4F99-8309-9AE7-89EF-8C4D713ACD62}"/>
+              </a:ext>
+            </a:extLst>
+          </p:cNvPr>
+          <p:cNvCxnSpPr>
+            <a:cxnSpLocks/>
+          </p:cNvCxnSpPr>
+          <p:nvPr/>
+        </p:nvCxnSpPr>
+        <p:spPr>
+          <a:xfrm>
+            <a:off x="5296013" y="4852215"/>
+            <a:ext cx="1499003" cy="954696"/>
+          </a:xfrm>
+          <a:prstGeom prst="straightConnector1">
+            <a:avLst/>
+          </a:prstGeom>
+          <a:ln w="38100">
+            <a:tailEnd type="triangle"/>
+          </a:ln>
+        </p:spPr>
+        <p:style>
+          <a:lnRef idx="1">
+            <a:schemeClr val="accent1"/>
+          </a:lnRef>
+          <a:fillRef idx="0">
+            <a:schemeClr val="accent1"/>
+          </a:fillRef>
+          <a:effectRef idx="0">
+            <a:schemeClr val="accent1"/>
+          </a:effectRef>
+          <a:fontRef idx="minor">
+            <a:schemeClr val="tx1"/>
+          </a:fontRef>
+        </p:style>
+      </p:cxnSp>
+      <p:grpSp>
+        <p:nvGrpSpPr>
+          <p:cNvPr id="43" name="Группа 42">
+            <a:extLst>
+              <a:ext uri="{FF2B5EF4-FFF2-40B4-BE49-F238E27FC236}">
+                <a16:creationId xmlns:a16="http://schemas.microsoft.com/office/drawing/2014/main" id="{2342B874-703E-B159-394A-E170BB174346}"/>
+              </a:ext>
+            </a:extLst>
+          </p:cNvPr>
+          <p:cNvGrpSpPr/>
+          <p:nvPr/>
+        </p:nvGrpSpPr>
+        <p:grpSpPr>
+          <a:xfrm>
+            <a:off x="11806109" y="4078703"/>
+            <a:ext cx="1985546" cy="1728208"/>
+            <a:chOff x="1272619" y="1216058"/>
+            <a:chExt cx="3355942" cy="2007909"/>
+          </a:xfrm>
+        </p:grpSpPr>
+        <p:sp>
+          <p:nvSpPr>
+            <p:cNvPr id="44" name="Прямоугольник 43">
+              <a:extLst>
+                <a:ext uri="{FF2B5EF4-FFF2-40B4-BE49-F238E27FC236}">
+                  <a16:creationId xmlns:a16="http://schemas.microsoft.com/office/drawing/2014/main" id="{F1F2174F-104F-8400-0068-0CE2852AD911}"/>
+                </a:ext>
+              </a:extLst>
+            </p:cNvPr>
+            <p:cNvSpPr/>
+            <p:nvPr/>
+          </p:nvSpPr>
+          <p:spPr>
+            <a:xfrm>
+              <a:off x="1272619" y="1216058"/>
+              <a:ext cx="3355942" cy="2007909"/>
+            </a:xfrm>
+            <a:prstGeom prst="rect">
+              <a:avLst/>
+            </a:prstGeom>
+            <a:solidFill>
+              <a:schemeClr val="accent1">
+                <a:lumMod val="20000"/>
+                <a:lumOff val="80000"/>
+              </a:schemeClr>
+            </a:solidFill>
+          </p:spPr>
+          <p:style>
+            <a:lnRef idx="2">
+              <a:schemeClr val="accent1">
+                <a:shade val="15000"/>
+              </a:schemeClr>
+            </a:lnRef>
+            <a:fillRef idx="1">
+              <a:schemeClr val="accent1"/>
+            </a:fillRef>
+            <a:effectRef idx="0">
+              <a:schemeClr val="accent1"/>
+            </a:effectRef>
+            <a:fontRef idx="minor">
+              <a:schemeClr val="lt1"/>
+            </a:fontRef>
+          </p:style>
+          <p:txBody>
+            <a:bodyPr rtlCol="0" anchor="ctr"/>
+            <a:lstStyle/>
+            <a:p>
+              <a:r>
+                <a:rPr lang="en-US" b="1" dirty="0" err="1">
+                  <a:solidFill>
+                    <a:schemeClr val="tx1"/>
+                  </a:solidFill>
+                </a:rPr>
+                <a:t>Id_group</a:t>
+              </a:r>
+              <a:endParaRPr lang="en-US" b="1" dirty="0">
+                <a:solidFill>
+                  <a:schemeClr val="tx1"/>
+                </a:solidFill>
+              </a:endParaRPr>
+            </a:p>
+            <a:p>
+              <a:r>
+                <a:rPr lang="en-US" dirty="0" err="1">
+                  <a:solidFill>
+                    <a:schemeClr val="tx1"/>
+                  </a:solidFill>
+                </a:rPr>
+                <a:t>Group_name</a:t>
+              </a:r>
+              <a:endParaRPr lang="en-US" dirty="0">
+                <a:solidFill>
+                  <a:schemeClr val="tx1"/>
+                </a:solidFill>
+              </a:endParaRPr>
+            </a:p>
+          </p:txBody>
+        </p:sp>
+        <p:sp>
+          <p:nvSpPr>
+            <p:cNvPr id="45" name="Прямоугольник 44">
+              <a:extLst>
+                <a:ext uri="{FF2B5EF4-FFF2-40B4-BE49-F238E27FC236}">
+                  <a16:creationId xmlns:a16="http://schemas.microsoft.com/office/drawing/2014/main" id="{A0E012F8-30FA-7295-FE43-D3849399CBC9}"/>
+                </a:ext>
+              </a:extLst>
+            </p:cNvPr>
+            <p:cNvSpPr/>
+            <p:nvPr/>
+          </p:nvSpPr>
+          <p:spPr>
+            <a:xfrm>
+              <a:off x="1272619" y="1216058"/>
+              <a:ext cx="3355942" cy="405352"/>
+            </a:xfrm>
+            <a:prstGeom prst="rect">
+              <a:avLst/>
+            </a:prstGeom>
+          </p:spPr>
+          <p:style>
+            <a:lnRef idx="2">
+              <a:schemeClr val="accent1">
+                <a:shade val="15000"/>
+              </a:schemeClr>
+            </a:lnRef>
+            <a:fillRef idx="1">
+              <a:schemeClr val="accent1"/>
+            </a:fillRef>
+            <a:effectRef idx="0">
+              <a:schemeClr val="accent1"/>
+            </a:effectRef>
+            <a:fontRef idx="minor">
+              <a:schemeClr val="lt1"/>
+            </a:fontRef>
+          </p:style>
+          <p:txBody>
+            <a:bodyPr rtlCol="0" anchor="ctr"/>
+            <a:lstStyle/>
+            <a:p>
+              <a:r>
+                <a:rPr lang="en-US" dirty="0" err="1"/>
+                <a:t>dic.workgroup</a:t>
+              </a:r>
+              <a:endParaRPr lang="ru-RU" dirty="0"/>
+            </a:p>
+          </p:txBody>
+        </p:sp>
+      </p:grpSp>
+      <p:cxnSp>
+        <p:nvCxnSpPr>
+          <p:cNvPr id="47" name="Прямая со стрелкой 46">
+            <a:extLst>
+              <a:ext uri="{FF2B5EF4-FFF2-40B4-BE49-F238E27FC236}">
+                <a16:creationId xmlns:a16="http://schemas.microsoft.com/office/drawing/2014/main" id="{4EC26363-4D98-73A7-EEB9-C9E81E79EEB4}"/>
+              </a:ext>
+            </a:extLst>
+          </p:cNvPr>
+          <p:cNvCxnSpPr>
+            <a:cxnSpLocks/>
+          </p:cNvCxnSpPr>
+          <p:nvPr/>
+        </p:nvCxnSpPr>
+        <p:spPr>
+          <a:xfrm flipH="1">
+            <a:off x="11203601" y="4830726"/>
+            <a:ext cx="652783" cy="0"/>
+          </a:xfrm>
+          <a:prstGeom prst="straightConnector1">
+            <a:avLst/>
+          </a:prstGeom>
+          <a:ln w="38100">
+            <a:tailEnd type="triangle"/>
+          </a:ln>
+        </p:spPr>
+        <p:style>
+          <a:lnRef idx="1">
+            <a:schemeClr val="accent1"/>
+          </a:lnRef>
+          <a:fillRef idx="0">
+            <a:schemeClr val="accent1"/>
+          </a:fillRef>
+          <a:effectRef idx="0">
+            <a:schemeClr val="accent1"/>
+          </a:effectRef>
+          <a:fontRef idx="minor">
+            <a:schemeClr val="tx1"/>
+          </a:fontRef>
+        </p:style>
+      </p:cxnSp>
+    </p:spTree>
+    <p:extLst>
+      <p:ext uri="{BB962C8B-B14F-4D97-AF65-F5344CB8AC3E}">
+        <p14:creationId xmlns:p14="http://schemas.microsoft.com/office/powerpoint/2010/main" val="4014250302"/>
       </p:ext>
     </p:extLst>
   </p:cSld>
